--- a/Landau Vishkin Nussinov.pptx
+++ b/Landau Vishkin Nussinov.pptx
@@ -5,7 +5,7 @@
     <p:sldMasterId id="2147483780" r:id="rId1"/>
   </p:sldMasterIdLst>
   <p:notesMasterIdLst>
-    <p:notesMasterId r:id="rId14"/>
+    <p:notesMasterId r:id="rId16"/>
   </p:notesMasterIdLst>
   <p:sldIdLst>
     <p:sldId id="256" r:id="rId2"/>
@@ -16,10 +16,12 @@
     <p:sldId id="260" r:id="rId7"/>
     <p:sldId id="265" r:id="rId8"/>
     <p:sldId id="266" r:id="rId9"/>
-    <p:sldId id="262" r:id="rId10"/>
-    <p:sldId id="263" r:id="rId11"/>
-    <p:sldId id="264" r:id="rId12"/>
-    <p:sldId id="261" r:id="rId13"/>
+    <p:sldId id="268" r:id="rId10"/>
+    <p:sldId id="262" r:id="rId11"/>
+    <p:sldId id="263" r:id="rId12"/>
+    <p:sldId id="264" r:id="rId13"/>
+    <p:sldId id="269" r:id="rId14"/>
+    <p:sldId id="261" r:id="rId15"/>
   </p:sldIdLst>
   <p:sldSz cx="9144000" cy="6858000" type="screen4x3"/>
   <p:notesSz cx="6858000" cy="9144000"/>
@@ -203,7 +205,8 @@
           <a:p>
             <a:fld id="{4A78B518-B877-4390-951F-161C7900BE4D}" type="datetimeFigureOut">
               <a:rPr lang="sr-Latn-CS" smtClean="0"/>
-              <a:t>19.1.2015.</a:t>
+              <a:pPr/>
+              <a:t>20.1.2015.</a:t>
             </a:fld>
             <a:endParaRPr lang="hr-HR"/>
           </a:p>
@@ -364,6 +367,7 @@
           <a:p>
             <a:fld id="{8D6F38B4-B494-4982-A616-1AEF9D001847}" type="slidenum">
               <a:rPr lang="hr-HR" smtClean="0"/>
+              <a:pPr/>
               <a:t>‹#›</a:t>
             </a:fld>
             <a:endParaRPr lang="hr-HR"/>
@@ -1127,7 +1131,7 @@
             <a:fld id="{1D8BD707-D9CF-40AE-B4C6-C98DA3205C09}" type="datetimeFigureOut">
               <a:rPr lang="en-US" smtClean="0"/>
               <a:pPr/>
-              <a:t>1/19/2015</a:t>
+              <a:t>1/20/2015</a:t>
             </a:fld>
             <a:endParaRPr lang="en-US"/>
           </a:p>
@@ -1312,7 +1316,7 @@
             <a:fld id="{1D8BD707-D9CF-40AE-B4C6-C98DA3205C09}" type="datetimeFigureOut">
               <a:rPr lang="en-US" smtClean="0"/>
               <a:pPr/>
-              <a:t>1/19/2015</a:t>
+              <a:t>1/20/2015</a:t>
             </a:fld>
             <a:endParaRPr lang="en-US"/>
           </a:p>
@@ -1489,7 +1493,7 @@
             <a:fld id="{1D8BD707-D9CF-40AE-B4C6-C98DA3205C09}" type="datetimeFigureOut">
               <a:rPr lang="en-US" smtClean="0"/>
               <a:pPr/>
-              <a:t>1/19/2015</a:t>
+              <a:t>1/20/2015</a:t>
             </a:fld>
             <a:endParaRPr lang="en-US"/>
           </a:p>
@@ -1656,7 +1660,7 @@
             <a:fld id="{1D8BD707-D9CF-40AE-B4C6-C98DA3205C09}" type="datetimeFigureOut">
               <a:rPr lang="en-US" smtClean="0"/>
               <a:pPr/>
-              <a:t>1/19/2015</a:t>
+              <a:t>1/20/2015</a:t>
             </a:fld>
             <a:endParaRPr lang="en-US"/>
           </a:p>
@@ -1879,7 +1883,7 @@
             <a:fld id="{1D8BD707-D9CF-40AE-B4C6-C98DA3205C09}" type="datetimeFigureOut">
               <a:rPr lang="en-US" smtClean="0"/>
               <a:pPr/>
-              <a:t>1/19/2015</a:t>
+              <a:t>1/20/2015</a:t>
             </a:fld>
             <a:endParaRPr lang="en-US"/>
           </a:p>
@@ -2140,7 +2144,7 @@
             <a:fld id="{1D8BD707-D9CF-40AE-B4C6-C98DA3205C09}" type="datetimeFigureOut">
               <a:rPr lang="en-US" smtClean="0"/>
               <a:pPr/>
-              <a:t>1/19/2015</a:t>
+              <a:t>1/20/2015</a:t>
             </a:fld>
             <a:endParaRPr lang="en-US"/>
           </a:p>
@@ -2546,7 +2550,7 @@
             <a:fld id="{1D8BD707-D9CF-40AE-B4C6-C98DA3205C09}" type="datetimeFigureOut">
               <a:rPr lang="en-US" smtClean="0"/>
               <a:pPr/>
-              <a:t>1/19/2015</a:t>
+              <a:t>1/20/2015</a:t>
             </a:fld>
             <a:endParaRPr lang="en-US"/>
           </a:p>
@@ -2679,7 +2683,7 @@
             <a:fld id="{1D8BD707-D9CF-40AE-B4C6-C98DA3205C09}" type="datetimeFigureOut">
               <a:rPr lang="en-US" smtClean="0"/>
               <a:pPr/>
-              <a:t>1/19/2015</a:t>
+              <a:t>1/20/2015</a:t>
             </a:fld>
             <a:endParaRPr lang="en-US"/>
           </a:p>
@@ -2781,7 +2785,7 @@
             <a:fld id="{1D8BD707-D9CF-40AE-B4C6-C98DA3205C09}" type="datetimeFigureOut">
               <a:rPr lang="en-US" smtClean="0"/>
               <a:pPr/>
-              <a:t>1/19/2015</a:t>
+              <a:t>1/20/2015</a:t>
             </a:fld>
             <a:endParaRPr lang="en-US"/>
           </a:p>
@@ -3028,7 +3032,7 @@
             <a:fld id="{1D8BD707-D9CF-40AE-B4C6-C98DA3205C09}" type="datetimeFigureOut">
               <a:rPr lang="en-US" smtClean="0"/>
               <a:pPr/>
-              <a:t>1/19/2015</a:t>
+              <a:t>1/20/2015</a:t>
             </a:fld>
             <a:endParaRPr lang="en-US"/>
           </a:p>
@@ -3274,7 +3278,7 @@
             <a:fld id="{1D8BD707-D9CF-40AE-B4C6-C98DA3205C09}" type="datetimeFigureOut">
               <a:rPr lang="en-US" smtClean="0"/>
               <a:pPr/>
-              <a:t>1/19/2015</a:t>
+              <a:t>1/20/2015</a:t>
             </a:fld>
             <a:endParaRPr lang="en-US"/>
           </a:p>
@@ -4100,7 +4104,7 @@
             <a:fld id="{1D8BD707-D9CF-40AE-B4C6-C98DA3205C09}" type="datetimeFigureOut">
               <a:rPr lang="en-US" smtClean="0"/>
               <a:pPr/>
-              <a:t>1/19/2015</a:t>
+              <a:t>1/20/2015</a:t>
             </a:fld>
             <a:endParaRPr lang="en-US"/>
           </a:p>
@@ -4616,11 +4620,7 @@
           <a:p>
             <a:r>
               <a:rPr lang="hr-HR" dirty="0" smtClean="0"/>
-              <a:t>Rezultati, memorijska </a:t>
-            </a:r>
-            <a:r>
-              <a:rPr lang="hr-HR" dirty="0" smtClean="0"/>
-              <a:t>složenost(2)</a:t>
+              <a:t>Rezultati, memorijska složenost(1)</a:t>
             </a:r>
             <a:endParaRPr lang="hr-HR" dirty="0"/>
           </a:p>
@@ -4647,7 +4647,7 @@
       </p:sp>
       <p:pic>
         <p:nvPicPr>
-          <p:cNvPr id="4098" name="Picture 2" descr="memoryScaled"/>
+          <p:cNvPr id="3074" name="Picture 2" descr="memory"/>
           <p:cNvPicPr>
             <a:picLocks noChangeAspect="1" noChangeArrowheads="1"/>
           </p:cNvPicPr>
@@ -4662,8 +4662,8 @@
         </p:blipFill>
         <p:spPr bwMode="auto">
           <a:xfrm>
-            <a:off x="1504950" y="2057400"/>
-            <a:ext cx="5962650" cy="4495800"/>
+            <a:off x="1524000" y="2071764"/>
+            <a:ext cx="5943600" cy="4481436"/>
           </a:xfrm>
           <a:prstGeom prst="rect">
             <a:avLst/>
@@ -4726,11 +4726,7 @@
           <a:p>
             <a:r>
               <a:rPr lang="hr-HR" dirty="0" smtClean="0"/>
-              <a:t>Rezultati, memorijska </a:t>
-            </a:r>
-            <a:r>
-              <a:rPr lang="hr-HR" dirty="0" smtClean="0"/>
-              <a:t>složenost(3)</a:t>
+              <a:t>Rezultati, memorijska složenost(2)</a:t>
             </a:r>
             <a:endParaRPr lang="hr-HR" dirty="0"/>
           </a:p>
@@ -4757,7 +4753,7 @@
       </p:sp>
       <p:pic>
         <p:nvPicPr>
-          <p:cNvPr id="7170" name="Picture 2" descr="MMemory"/>
+          <p:cNvPr id="4098" name="Picture 2" descr="memoryScaled"/>
           <p:cNvPicPr>
             <a:picLocks noChangeAspect="1" noChangeArrowheads="1"/>
           </p:cNvPicPr>
@@ -4772,7 +4768,7 @@
         </p:blipFill>
         <p:spPr bwMode="auto">
           <a:xfrm>
-            <a:off x="1600200" y="2057400"/>
+            <a:off x="1504950" y="2057400"/>
             <a:ext cx="5962650" cy="4495800"/>
           </a:xfrm>
           <a:prstGeom prst="rect">
@@ -4836,6 +4832,188 @@
           <a:p>
             <a:r>
               <a:rPr lang="hr-HR" dirty="0" smtClean="0"/>
+              <a:t>Rezultati, memorijska složenost(3)</a:t>
+            </a:r>
+            <a:endParaRPr lang="hr-HR" dirty="0"/>
+          </a:p>
+        </p:txBody>
+      </p:sp>
+      <p:sp>
+        <p:nvSpPr>
+          <p:cNvPr id="3" name="Content Placeholder 2"/>
+          <p:cNvSpPr>
+            <a:spLocks noGrp="1"/>
+          </p:cNvSpPr>
+          <p:nvPr>
+            <p:ph idx="1"/>
+          </p:nvPr>
+        </p:nvSpPr>
+        <p:spPr/>
+        <p:txBody>
+          <a:bodyPr/>
+          <a:lstStyle/>
+          <a:p>
+            <a:endParaRPr lang="hr-HR"/>
+          </a:p>
+        </p:txBody>
+      </p:sp>
+      <p:pic>
+        <p:nvPicPr>
+          <p:cNvPr id="1026" name="Picture 2" descr="C:\Users\Dell\Desktop\FER9\BIOINF\projekt\testing\mem.png"/>
+          <p:cNvPicPr>
+            <a:picLocks noChangeAspect="1" noChangeArrowheads="1"/>
+          </p:cNvPicPr>
+          <p:nvPr/>
+        </p:nvPicPr>
+        <p:blipFill>
+          <a:blip r:embed="rId2"/>
+          <a:srcRect/>
+          <a:stretch>
+            <a:fillRect/>
+          </a:stretch>
+        </p:blipFill>
+        <p:spPr bwMode="auto">
+          <a:xfrm>
+            <a:off x="1523999" y="2057400"/>
+            <a:ext cx="5968383" cy="4503625"/>
+          </a:xfrm>
+          <a:prstGeom prst="rect">
+            <a:avLst/>
+          </a:prstGeom>
+          <a:noFill/>
+        </p:spPr>
+      </p:pic>
+    </p:spTree>
+  </p:cSld>
+  <p:clrMapOvr>
+    <a:masterClrMapping/>
+  </p:clrMapOvr>
+  <p:timing>
+    <p:tnLst>
+      <p:par>
+        <p:cTn id="1" dur="indefinite" restart="never" nodeType="tmRoot"/>
+      </p:par>
+    </p:tnLst>
+  </p:timing>
+</p:sld>
+</file>
+
+<file path=ppt/slides/slide13.xml><?xml version="1.0" encoding="utf-8"?>
+<p:sld xmlns:a="http://schemas.openxmlformats.org/drawingml/2006/main" xmlns:r="http://schemas.openxmlformats.org/officeDocument/2006/relationships" xmlns:p="http://schemas.openxmlformats.org/presentationml/2006/main">
+  <p:cSld>
+    <p:spTree>
+      <p:nvGrpSpPr>
+        <p:cNvPr id="1" name=""/>
+        <p:cNvGrpSpPr/>
+        <p:nvPr/>
+      </p:nvGrpSpPr>
+      <p:grpSpPr>
+        <a:xfrm>
+          <a:off x="0" y="0"/>
+          <a:ext cx="0" cy="0"/>
+          <a:chOff x="0" y="0"/>
+          <a:chExt cx="0" cy="0"/>
+        </a:xfrm>
+      </p:grpSpPr>
+      <p:sp>
+        <p:nvSpPr>
+          <p:cNvPr id="2" name="Title 1"/>
+          <p:cNvSpPr>
+            <a:spLocks noGrp="1"/>
+          </p:cNvSpPr>
+          <p:nvPr>
+            <p:ph type="title"/>
+          </p:nvPr>
+        </p:nvSpPr>
+        <p:spPr/>
+        <p:txBody>
+          <a:bodyPr/>
+          <a:lstStyle/>
+          <a:p>
+            <a:r>
+              <a:rPr lang="hr-HR" dirty="0" smtClean="0"/>
+              <a:t>Rezultati, memorijska </a:t>
+            </a:r>
+            <a:r>
+              <a:rPr lang="hr-HR" dirty="0" smtClean="0"/>
+              <a:t>složenost(4)</a:t>
+            </a:r>
+            <a:endParaRPr lang="hr-HR" dirty="0"/>
+          </a:p>
+        </p:txBody>
+      </p:sp>
+      <p:pic>
+        <p:nvPicPr>
+          <p:cNvPr id="4" name="Content Placeholder 3" descr="python2MemK.png"/>
+          <p:cNvPicPr>
+            <a:picLocks noGrp="1" noChangeAspect="1"/>
+          </p:cNvPicPr>
+          <p:nvPr>
+            <p:ph idx="1"/>
+          </p:nvPr>
+        </p:nvPicPr>
+        <p:blipFill>
+          <a:blip r:embed="rId2"/>
+          <a:stretch>
+            <a:fillRect/>
+          </a:stretch>
+        </p:blipFill>
+        <p:spPr>
+          <a:xfrm>
+            <a:off x="1524000" y="2133600"/>
+            <a:ext cx="5884217" cy="4440238"/>
+          </a:xfrm>
+        </p:spPr>
+      </p:pic>
+    </p:spTree>
+  </p:cSld>
+  <p:clrMapOvr>
+    <a:masterClrMapping/>
+  </p:clrMapOvr>
+  <p:timing>
+    <p:tnLst>
+      <p:par>
+        <p:cTn id="1" dur="indefinite" restart="never" nodeType="tmRoot"/>
+      </p:par>
+    </p:tnLst>
+  </p:timing>
+</p:sld>
+</file>
+
+<file path=ppt/slides/slide14.xml><?xml version="1.0" encoding="utf-8"?>
+<p:sld xmlns:a="http://schemas.openxmlformats.org/drawingml/2006/main" xmlns:r="http://schemas.openxmlformats.org/officeDocument/2006/relationships" xmlns:p="http://schemas.openxmlformats.org/presentationml/2006/main">
+  <p:cSld>
+    <p:spTree>
+      <p:nvGrpSpPr>
+        <p:cNvPr id="1" name=""/>
+        <p:cNvGrpSpPr/>
+        <p:nvPr/>
+      </p:nvGrpSpPr>
+      <p:grpSpPr>
+        <a:xfrm>
+          <a:off x="0" y="0"/>
+          <a:ext cx="0" cy="0"/>
+          <a:chOff x="0" y="0"/>
+          <a:chExt cx="0" cy="0"/>
+        </a:xfrm>
+      </p:grpSpPr>
+      <p:sp>
+        <p:nvSpPr>
+          <p:cNvPr id="2" name="Title 1"/>
+          <p:cNvSpPr>
+            <a:spLocks noGrp="1"/>
+          </p:cNvSpPr>
+          <p:nvPr>
+            <p:ph type="title"/>
+          </p:nvPr>
+        </p:nvSpPr>
+        <p:spPr/>
+        <p:txBody>
+          <a:bodyPr/>
+          <a:lstStyle/>
+          <a:p>
+            <a:r>
+              <a:rPr lang="hr-HR" dirty="0" smtClean="0"/>
               <a:t>Hvala na pažnji!</a:t>
             </a:r>
             <a:endParaRPr lang="hr-HR" dirty="0"/>
@@ -5166,11 +5344,7 @@
             <a:pPr lvl="1"/>
             <a:r>
               <a:rPr lang="hr-HR" dirty="0" smtClean="0"/>
-              <a:t>O(</a:t>
-            </a:r>
-            <a:r>
-              <a:rPr lang="hr-HR" dirty="0" smtClean="0"/>
-              <a:t>m</a:t>
+              <a:t>O(m</a:t>
             </a:r>
             <a:r>
               <a:rPr lang="hr-HR" baseline="30000" dirty="0" smtClean="0"/>
@@ -5203,11 +5377,7 @@
             <a:pPr lvl="1"/>
             <a:r>
               <a:rPr lang="hr-HR" dirty="0" smtClean="0"/>
-              <a:t>O(</a:t>
-            </a:r>
-            <a:r>
-              <a:rPr lang="hr-HR" dirty="0" smtClean="0"/>
-              <a:t>m</a:t>
+              <a:t>O(m</a:t>
             </a:r>
             <a:r>
               <a:rPr lang="hr-HR" baseline="30000" dirty="0" smtClean="0"/>
@@ -5383,15 +5553,7 @@
           <a:p>
             <a:r>
               <a:rPr lang="hr-HR" dirty="0" smtClean="0"/>
-              <a:t>Rezultati, </a:t>
-            </a:r>
-            <a:r>
-              <a:rPr lang="hr-HR" dirty="0" smtClean="0"/>
-              <a:t>vremenska </a:t>
-            </a:r>
-            <a:r>
-              <a:rPr lang="hr-HR" dirty="0" smtClean="0"/>
-              <a:t>složenost(2)</a:t>
+              <a:t>Rezultati, vremenska složenost(2)</a:t>
             </a:r>
             <a:endParaRPr lang="hr-HR" dirty="0"/>
           </a:p>
@@ -5497,11 +5659,7 @@
           <a:p>
             <a:r>
               <a:rPr lang="hr-HR" dirty="0" smtClean="0"/>
-              <a:t>Rezultati, vremenska </a:t>
-            </a:r>
-            <a:r>
-              <a:rPr lang="hr-HR" dirty="0" smtClean="0"/>
-              <a:t>složenost(3)</a:t>
+              <a:t>Rezultati, vremenska složenost(3)</a:t>
             </a:r>
             <a:endParaRPr lang="hr-HR" dirty="0"/>
           </a:p>
@@ -5543,7 +5701,7 @@
         </p:blipFill>
         <p:spPr bwMode="auto">
           <a:xfrm>
-            <a:off x="1676400" y="2057400"/>
+            <a:off x="1524000" y="2057400"/>
             <a:ext cx="5962650" cy="4495800"/>
           </a:xfrm>
           <a:prstGeom prst="rect">
@@ -5607,11 +5765,7 @@
           <a:p>
             <a:r>
               <a:rPr lang="hr-HR" dirty="0" smtClean="0"/>
-              <a:t>Rezultati, vremenska </a:t>
-            </a:r>
-            <a:r>
-              <a:rPr lang="hr-HR" dirty="0" smtClean="0"/>
-              <a:t>složenost(4)</a:t>
+              <a:t>Rezultati, vremenska složenost(4)</a:t>
             </a:r>
             <a:endParaRPr lang="hr-HR" dirty="0"/>
           </a:p>
@@ -5653,7 +5807,7 @@
         </p:blipFill>
         <p:spPr bwMode="auto">
           <a:xfrm>
-            <a:off x="1600200" y="2057400"/>
+            <a:off x="1524000" y="2057400"/>
             <a:ext cx="5962650" cy="4495800"/>
           </a:xfrm>
           <a:prstGeom prst="rect">
@@ -5717,61 +5871,37 @@
           <a:p>
             <a:r>
               <a:rPr lang="hr-HR" dirty="0" smtClean="0"/>
-              <a:t>Rezultati, memorijska složenost(1)</a:t>
+              <a:t>Rezultati, vremenska </a:t>
+            </a:r>
+            <a:r>
+              <a:rPr lang="hr-HR" dirty="0" smtClean="0"/>
+              <a:t>složenost(5)</a:t>
             </a:r>
             <a:endParaRPr lang="hr-HR" dirty="0"/>
-          </a:p>
-        </p:txBody>
-      </p:sp>
-      <p:sp>
-        <p:nvSpPr>
-          <p:cNvPr id="3" name="Content Placeholder 2"/>
-          <p:cNvSpPr>
-            <a:spLocks noGrp="1"/>
-          </p:cNvSpPr>
-          <p:nvPr>
-            <p:ph idx="1"/>
-          </p:nvPr>
-        </p:nvSpPr>
-        <p:spPr/>
-        <p:txBody>
-          <a:bodyPr/>
-          <a:lstStyle/>
-          <a:p>
-            <a:endParaRPr lang="hr-HR"/>
           </a:p>
         </p:txBody>
       </p:sp>
       <p:pic>
         <p:nvPicPr>
-          <p:cNvPr id="3074" name="Picture 2" descr="memory"/>
+          <p:cNvPr id="6" name="Content Placeholder 5" descr="figure_1.png"/>
           <p:cNvPicPr>
-            <a:picLocks noChangeAspect="1" noChangeArrowheads="1"/>
+            <a:picLocks noGrp="1" noChangeAspect="1"/>
           </p:cNvPicPr>
-          <p:nvPr/>
+          <p:nvPr>
+            <p:ph idx="1"/>
+          </p:nvPr>
         </p:nvPicPr>
         <p:blipFill>
           <a:blip r:embed="rId2"/>
-          <a:srcRect/>
           <a:stretch>
             <a:fillRect/>
           </a:stretch>
         </p:blipFill>
-        <p:spPr bwMode="auto">
-          <a:xfrm>
-            <a:off x="1524000" y="2071764"/>
-            <a:ext cx="5943600" cy="4481436"/>
-          </a:xfrm>
-          <a:prstGeom prst="rect">
-            <a:avLst/>
-          </a:prstGeom>
-          <a:noFill/>
-          <a:ln w="9525">
-            <a:noFill/>
-            <a:miter lim="800000"/>
-            <a:headEnd/>
-            <a:tailEnd/>
-          </a:ln>
+        <p:spPr>
+          <a:xfrm>
+            <a:off x="1524000" y="2057400"/>
+            <a:ext cx="5985198" cy="4516438"/>
+          </a:xfrm>
         </p:spPr>
       </p:pic>
     </p:spTree>

--- a/Landau Vishkin Nussinov.pptx
+++ b/Landau Vishkin Nussinov.pptx
@@ -5,23 +5,25 @@
     <p:sldMasterId id="2147483780" r:id="rId1"/>
   </p:sldMasterIdLst>
   <p:notesMasterIdLst>
-    <p:notesMasterId r:id="rId16"/>
+    <p:notesMasterId r:id="rId18"/>
   </p:notesMasterIdLst>
   <p:sldIdLst>
     <p:sldId id="256" r:id="rId2"/>
-    <p:sldId id="257" r:id="rId3"/>
-    <p:sldId id="258" r:id="rId4"/>
-    <p:sldId id="267" r:id="rId5"/>
-    <p:sldId id="259" r:id="rId6"/>
-    <p:sldId id="260" r:id="rId7"/>
-    <p:sldId id="265" r:id="rId8"/>
-    <p:sldId id="266" r:id="rId9"/>
-    <p:sldId id="268" r:id="rId10"/>
-    <p:sldId id="262" r:id="rId11"/>
-    <p:sldId id="263" r:id="rId12"/>
-    <p:sldId id="264" r:id="rId13"/>
-    <p:sldId id="269" r:id="rId14"/>
-    <p:sldId id="261" r:id="rId15"/>
+    <p:sldId id="273" r:id="rId3"/>
+    <p:sldId id="270" r:id="rId4"/>
+    <p:sldId id="271" r:id="rId5"/>
+    <p:sldId id="272" r:id="rId6"/>
+    <p:sldId id="267" r:id="rId7"/>
+    <p:sldId id="259" r:id="rId8"/>
+    <p:sldId id="260" r:id="rId9"/>
+    <p:sldId id="265" r:id="rId10"/>
+    <p:sldId id="266" r:id="rId11"/>
+    <p:sldId id="268" r:id="rId12"/>
+    <p:sldId id="262" r:id="rId13"/>
+    <p:sldId id="263" r:id="rId14"/>
+    <p:sldId id="264" r:id="rId15"/>
+    <p:sldId id="269" r:id="rId16"/>
+    <p:sldId id="261" r:id="rId17"/>
   </p:sldIdLst>
   <p:sldSz cx="9144000" cy="6858000" type="screen4x3"/>
   <p:notesSz cx="6858000" cy="9144000"/>
@@ -206,7 +208,7 @@
             <a:fld id="{4A78B518-B877-4390-951F-161C7900BE4D}" type="datetimeFigureOut">
               <a:rPr lang="sr-Latn-CS" smtClean="0"/>
               <a:pPr/>
-              <a:t>20.1.2015.</a:t>
+              <a:t>20.1.2015</a:t>
             </a:fld>
             <a:endParaRPr lang="hr-HR"/>
           </a:p>
@@ -375,6 +377,11 @@
         </p:txBody>
       </p:sp>
     </p:spTree>
+    <p:extLst>
+      <p:ext uri="{BB962C8B-B14F-4D97-AF65-F5344CB8AC3E}">
+        <p14:creationId xmlns:p14="http://schemas.microsoft.com/office/powerpoint/2010/main" val="2729720865"/>
+      </p:ext>
+    </p:extLst>
   </p:cSld>
   <p:clrMap bg1="lt1" tx1="dk1" bg2="lt2" tx2="dk2" accent1="accent1" accent2="accent2" accent3="accent3" accent4="accent4" accent5="accent5" accent6="accent6" hlink="hlink" folHlink="folHlink"/>
   <p:notesStyle>
@@ -4620,6 +4627,190 @@
           <a:p>
             <a:r>
               <a:rPr lang="hr-HR" dirty="0" smtClean="0"/>
+              <a:t>Rezultati, vremenska složenost(4)</a:t>
+            </a:r>
+            <a:endParaRPr lang="hr-HR" dirty="0"/>
+          </a:p>
+        </p:txBody>
+      </p:sp>
+      <p:sp>
+        <p:nvSpPr>
+          <p:cNvPr id="3" name="Content Placeholder 2"/>
+          <p:cNvSpPr>
+            <a:spLocks noGrp="1"/>
+          </p:cNvSpPr>
+          <p:nvPr>
+            <p:ph idx="1"/>
+          </p:nvPr>
+        </p:nvSpPr>
+        <p:spPr/>
+        <p:txBody>
+          <a:bodyPr/>
+          <a:lstStyle/>
+          <a:p>
+            <a:endParaRPr lang="hr-HR"/>
+          </a:p>
+        </p:txBody>
+      </p:sp>
+      <p:pic>
+        <p:nvPicPr>
+          <p:cNvPr id="6146" name="Picture 2" descr="KTIMEScaled"/>
+          <p:cNvPicPr>
+            <a:picLocks noChangeAspect="1" noChangeArrowheads="1"/>
+          </p:cNvPicPr>
+          <p:nvPr/>
+        </p:nvPicPr>
+        <p:blipFill>
+          <a:blip r:embed="rId2"/>
+          <a:srcRect/>
+          <a:stretch>
+            <a:fillRect/>
+          </a:stretch>
+        </p:blipFill>
+        <p:spPr bwMode="auto">
+          <a:xfrm>
+            <a:off x="1524000" y="2057400"/>
+            <a:ext cx="5962650" cy="4495800"/>
+          </a:xfrm>
+          <a:prstGeom prst="rect">
+            <a:avLst/>
+          </a:prstGeom>
+          <a:noFill/>
+          <a:ln w="9525">
+            <a:noFill/>
+            <a:miter lim="800000"/>
+            <a:headEnd/>
+            <a:tailEnd/>
+          </a:ln>
+        </p:spPr>
+      </p:pic>
+    </p:spTree>
+  </p:cSld>
+  <p:clrMapOvr>
+    <a:masterClrMapping/>
+  </p:clrMapOvr>
+  <p:timing>
+    <p:tnLst>
+      <p:par>
+        <p:cTn id="1" dur="indefinite" restart="never" nodeType="tmRoot"/>
+      </p:par>
+    </p:tnLst>
+  </p:timing>
+</p:sld>
+</file>
+
+<file path=ppt/slides/slide11.xml><?xml version="1.0" encoding="utf-8"?>
+<p:sld xmlns:a="http://schemas.openxmlformats.org/drawingml/2006/main" xmlns:r="http://schemas.openxmlformats.org/officeDocument/2006/relationships" xmlns:p="http://schemas.openxmlformats.org/presentationml/2006/main">
+  <p:cSld>
+    <p:spTree>
+      <p:nvGrpSpPr>
+        <p:cNvPr id="1" name=""/>
+        <p:cNvGrpSpPr/>
+        <p:nvPr/>
+      </p:nvGrpSpPr>
+      <p:grpSpPr>
+        <a:xfrm>
+          <a:off x="0" y="0"/>
+          <a:ext cx="0" cy="0"/>
+          <a:chOff x="0" y="0"/>
+          <a:chExt cx="0" cy="0"/>
+        </a:xfrm>
+      </p:grpSpPr>
+      <p:sp>
+        <p:nvSpPr>
+          <p:cNvPr id="2" name="Title 1"/>
+          <p:cNvSpPr>
+            <a:spLocks noGrp="1"/>
+          </p:cNvSpPr>
+          <p:nvPr>
+            <p:ph type="title"/>
+          </p:nvPr>
+        </p:nvSpPr>
+        <p:spPr/>
+        <p:txBody>
+          <a:bodyPr/>
+          <a:lstStyle/>
+          <a:p>
+            <a:r>
+              <a:rPr lang="hr-HR" dirty="0" smtClean="0"/>
+              <a:t>Rezultati, vremenska složenost(5)</a:t>
+            </a:r>
+            <a:endParaRPr lang="hr-HR" dirty="0"/>
+          </a:p>
+        </p:txBody>
+      </p:sp>
+      <p:pic>
+        <p:nvPicPr>
+          <p:cNvPr id="6" name="Content Placeholder 5" descr="figure_1.png"/>
+          <p:cNvPicPr>
+            <a:picLocks noGrp="1" noChangeAspect="1"/>
+          </p:cNvPicPr>
+          <p:nvPr>
+            <p:ph idx="1"/>
+          </p:nvPr>
+        </p:nvPicPr>
+        <p:blipFill>
+          <a:blip r:embed="rId2"/>
+          <a:stretch>
+            <a:fillRect/>
+          </a:stretch>
+        </p:blipFill>
+        <p:spPr>
+          <a:xfrm>
+            <a:off x="1524000" y="2057400"/>
+            <a:ext cx="5985198" cy="4516438"/>
+          </a:xfrm>
+        </p:spPr>
+      </p:pic>
+    </p:spTree>
+  </p:cSld>
+  <p:clrMapOvr>
+    <a:masterClrMapping/>
+  </p:clrMapOvr>
+  <p:timing>
+    <p:tnLst>
+      <p:par>
+        <p:cTn id="1" dur="indefinite" restart="never" nodeType="tmRoot"/>
+      </p:par>
+    </p:tnLst>
+  </p:timing>
+</p:sld>
+</file>
+
+<file path=ppt/slides/slide12.xml><?xml version="1.0" encoding="utf-8"?>
+<p:sld xmlns:a="http://schemas.openxmlformats.org/drawingml/2006/main" xmlns:r="http://schemas.openxmlformats.org/officeDocument/2006/relationships" xmlns:p="http://schemas.openxmlformats.org/presentationml/2006/main">
+  <p:cSld>
+    <p:spTree>
+      <p:nvGrpSpPr>
+        <p:cNvPr id="1" name=""/>
+        <p:cNvGrpSpPr/>
+        <p:nvPr/>
+      </p:nvGrpSpPr>
+      <p:grpSpPr>
+        <a:xfrm>
+          <a:off x="0" y="0"/>
+          <a:ext cx="0" cy="0"/>
+          <a:chOff x="0" y="0"/>
+          <a:chExt cx="0" cy="0"/>
+        </a:xfrm>
+      </p:grpSpPr>
+      <p:sp>
+        <p:nvSpPr>
+          <p:cNvPr id="2" name="Title 1"/>
+          <p:cNvSpPr>
+            <a:spLocks noGrp="1"/>
+          </p:cNvSpPr>
+          <p:nvPr>
+            <p:ph type="title"/>
+          </p:nvPr>
+        </p:nvSpPr>
+        <p:spPr/>
+        <p:txBody>
+          <a:bodyPr/>
+          <a:lstStyle/>
+          <a:p>
+            <a:r>
+              <a:rPr lang="hr-HR" dirty="0" smtClean="0"/>
               <a:t>Rezultati, memorijska složenost(1)</a:t>
             </a:r>
             <a:endParaRPr lang="hr-HR" dirty="0"/>
@@ -4692,7 +4883,7 @@
 </p:sld>
 </file>
 
-<file path=ppt/slides/slide11.xml><?xml version="1.0" encoding="utf-8"?>
+<file path=ppt/slides/slide13.xml><?xml version="1.0" encoding="utf-8"?>
 <p:sld xmlns:a="http://schemas.openxmlformats.org/drawingml/2006/main" xmlns:r="http://schemas.openxmlformats.org/officeDocument/2006/relationships" xmlns:p="http://schemas.openxmlformats.org/presentationml/2006/main">
   <p:cSld>
     <p:spTree>
@@ -4798,7 +4989,7 @@
 </p:sld>
 </file>
 
-<file path=ppt/slides/slide12.xml><?xml version="1.0" encoding="utf-8"?>
+<file path=ppt/slides/slide14.xml><?xml version="1.0" encoding="utf-8"?>
 <p:sld xmlns:a="http://schemas.openxmlformats.org/drawingml/2006/main" xmlns:r="http://schemas.openxmlformats.org/officeDocument/2006/relationships" xmlns:p="http://schemas.openxmlformats.org/presentationml/2006/main">
   <p:cSld>
     <p:spTree>
@@ -4898,7 +5089,7 @@
 </p:sld>
 </file>
 
-<file path=ppt/slides/slide13.xml><?xml version="1.0" encoding="utf-8"?>
+<file path=ppt/slides/slide15.xml><?xml version="1.0" encoding="utf-8"?>
 <p:sld xmlns:a="http://schemas.openxmlformats.org/drawingml/2006/main" xmlns:r="http://schemas.openxmlformats.org/officeDocument/2006/relationships" xmlns:p="http://schemas.openxmlformats.org/presentationml/2006/main">
   <p:cSld>
     <p:spTree>
@@ -4932,11 +5123,7 @@
           <a:p>
             <a:r>
               <a:rPr lang="hr-HR" dirty="0" smtClean="0"/>
-              <a:t>Rezultati, memorijska </a:t>
-            </a:r>
-            <a:r>
-              <a:rPr lang="hr-HR" dirty="0" smtClean="0"/>
-              <a:t>složenost(4)</a:t>
+              <a:t>Rezultati, memorijska složenost(4)</a:t>
             </a:r>
             <a:endParaRPr lang="hr-HR" dirty="0"/>
           </a:p>
@@ -4980,7 +5167,7 @@
 </p:sld>
 </file>
 
-<file path=ppt/slides/slide14.xml><?xml version="1.0" encoding="utf-8"?>
+<file path=ppt/slides/slide16.xml><?xml version="1.0" encoding="utf-8"?>
 <p:sld xmlns:a="http://schemas.openxmlformats.org/drawingml/2006/main" xmlns:r="http://schemas.openxmlformats.org/officeDocument/2006/relationships" xmlns:p="http://schemas.openxmlformats.org/presentationml/2006/main">
   <p:cSld>
     <p:spTree>
@@ -5086,6 +5273,7 @@
           <a:bodyPr/>
           <a:lstStyle/>
           <a:p>
+            <a:pPr algn="ctr"/>
             <a:r>
               <a:rPr lang="hr-HR" dirty="0" smtClean="0"/>
               <a:t>Uvod</a:t>
@@ -5104,51 +5292,14 @@
             <p:ph idx="1"/>
           </p:nvPr>
         </p:nvSpPr>
-        <p:spPr>
-          <a:xfrm>
-            <a:off x="457200" y="2209800"/>
-            <a:ext cx="8229600" cy="4364736"/>
-          </a:xfrm>
-        </p:spPr>
+        <p:spPr/>
         <p:txBody>
           <a:bodyPr/>
           <a:lstStyle/>
           <a:p>
-            <a:pPr>
-              <a:spcAft>
-                <a:spcPts val="1000"/>
-              </a:spcAft>
-            </a:pPr>
             <a:r>
               <a:rPr lang="hr-HR" dirty="0" smtClean="0"/>
-              <a:t>Algoritam polu-globalnog poravnanja nizova</a:t>
-            </a:r>
-          </a:p>
-          <a:p>
-            <a:pPr>
-              <a:spcAft>
-                <a:spcPts val="1000"/>
-              </a:spcAft>
-            </a:pPr>
-            <a:r>
-              <a:rPr lang="hr-HR" dirty="0" smtClean="0"/>
-              <a:t>Želimo poravnati niz duljine </a:t>
-            </a:r>
-            <a:r>
-              <a:rPr lang="hr-HR" i="1" dirty="0" smtClean="0"/>
-              <a:t>m </a:t>
-            </a:r>
-            <a:r>
-              <a:rPr lang="hr-HR" dirty="0" smtClean="0"/>
-              <a:t>s nekim dijelom drugog niza duljine </a:t>
-            </a:r>
-            <a:r>
-              <a:rPr lang="hr-HR" i="1" dirty="0" smtClean="0"/>
-              <a:t>n</a:t>
-            </a:r>
-            <a:r>
-              <a:rPr lang="hr-HR" dirty="0" smtClean="0"/>
-              <a:t> uz najviše </a:t>
+              <a:t>polu-globalno poravnanje s </a:t>
             </a:r>
             <a:r>
               <a:rPr lang="hr-HR" i="1" dirty="0" smtClean="0"/>
@@ -5156,37 +5307,72 @@
             </a:r>
             <a:r>
               <a:rPr lang="hr-HR" dirty="0" smtClean="0"/>
-              <a:t> razlika</a:t>
-            </a:r>
-          </a:p>
-          <a:p>
-            <a:pPr>
-              <a:spcAft>
-                <a:spcPts val="1000"/>
-              </a:spcAft>
-            </a:pPr>
+              <a:t> dozvoljenih razlika između teksta i obrasca</a:t>
+            </a:r>
+          </a:p>
+          <a:p>
             <a:r>
               <a:rPr lang="hr-HR" dirty="0" smtClean="0"/>
-              <a:t>Dijagonalna pretraga s ograničenim pojasom</a:t>
+              <a:t>Needleman-Wunsch</a:t>
+            </a:r>
+          </a:p>
+          <a:p>
+            <a:pPr lvl="1"/>
+            <a:r>
+              <a:rPr lang="hr-HR" dirty="0" smtClean="0">
+                <a:solidFill>
+                  <a:schemeClr val="tx1"/>
+                </a:solidFill>
+              </a:rPr>
+              <a:t>velika memorijska i vremenska složenost</a:t>
             </a:r>
           </a:p>
           <a:p>
             <a:r>
               <a:rPr lang="hr-HR" dirty="0" smtClean="0"/>
-              <a:t>Izlaz: svaka pozicija u drugom nizu od koje je pronađeno podudaranje s prvim nizom uz najviše </a:t>
-            </a:r>
-            <a:r>
-              <a:rPr lang="hr-HR" i="1" dirty="0" smtClean="0"/>
+              <a:t>Landau-Vishkin-Nussinov</a:t>
+            </a:r>
+          </a:p>
+          <a:p>
+            <a:pPr lvl="1"/>
+            <a:r>
+              <a:rPr lang="hr-HR" dirty="0">
+                <a:solidFill>
+                  <a:schemeClr val="tx1"/>
+                </a:solidFill>
+              </a:rPr>
+              <a:t>e</a:t>
+            </a:r>
+            <a:r>
+              <a:rPr lang="hr-HR" dirty="0" smtClean="0">
+                <a:solidFill>
+                  <a:schemeClr val="tx1"/>
+                </a:solidFill>
+              </a:rPr>
+              <a:t>fikasniji uz dovoljno malen </a:t>
+            </a:r>
+            <a:r>
+              <a:rPr lang="hr-HR" i="1" dirty="0" smtClean="0">
+                <a:solidFill>
+                  <a:schemeClr val="tx1"/>
+                </a:solidFill>
+              </a:rPr>
               <a:t>k</a:t>
             </a:r>
-            <a:r>
-              <a:rPr lang="hr-HR" dirty="0" smtClean="0"/>
-              <a:t> razlika</a:t>
-            </a:r>
+            <a:endParaRPr lang="hr-HR" dirty="0">
+              <a:solidFill>
+                <a:schemeClr val="tx1"/>
+              </a:solidFill>
+            </a:endParaRPr>
           </a:p>
         </p:txBody>
       </p:sp>
     </p:spTree>
+    <p:extLst>
+      <p:ext uri="{BB962C8B-B14F-4D97-AF65-F5344CB8AC3E}">
+        <p14:creationId xmlns:p14="http://schemas.microsoft.com/office/powerpoint/2010/main" val="4064840870"/>
+      </p:ext>
+    </p:extLst>
   </p:cSld>
   <p:clrMapOvr>
     <a:masterClrMapping/>
@@ -5233,9 +5419,10 @@
           <a:bodyPr/>
           <a:lstStyle/>
           <a:p>
+            <a:pPr algn="ctr"/>
             <a:r>
               <a:rPr lang="hr-HR" dirty="0" smtClean="0"/>
-              <a:t>Opis algoritma</a:t>
+              <a:t>Ideja</a:t>
             </a:r>
             <a:endParaRPr lang="hr-HR" dirty="0"/>
           </a:p>
@@ -5256,11 +5443,1127 @@
           <a:bodyPr/>
           <a:lstStyle/>
           <a:p>
-            <a:endParaRPr lang="hr-HR"/>
-          </a:p>
-        </p:txBody>
-      </p:sp>
+            <a:r>
+              <a:rPr lang="hr-HR" dirty="0"/>
+              <a:t>p</a:t>
+            </a:r>
+            <a:r>
+              <a:rPr lang="hr-HR" dirty="0" smtClean="0"/>
+              <a:t>redobrada obrasca</a:t>
+            </a:r>
+          </a:p>
+          <a:p>
+            <a:r>
+              <a:rPr lang="hr-HR" dirty="0" smtClean="0"/>
+              <a:t>Tablica MAXLENGTH</a:t>
+            </a:r>
+          </a:p>
+          <a:p>
+            <a:endParaRPr lang="hr-HR" dirty="0"/>
+          </a:p>
+        </p:txBody>
+      </p:sp>
+      <p:graphicFrame>
+        <p:nvGraphicFramePr>
+          <p:cNvPr id="4" name="Table 3"/>
+          <p:cNvGraphicFramePr>
+            <a:graphicFrameLocks noGrp="1"/>
+          </p:cNvGraphicFramePr>
+          <p:nvPr>
+            <p:extLst>
+              <p:ext uri="{D42A27DB-BD31-4B8C-83A1-F6EECF244321}">
+                <p14:modId xmlns:p14="http://schemas.microsoft.com/office/powerpoint/2010/main" val="3557948602"/>
+              </p:ext>
+            </p:extLst>
+          </p:nvPr>
+        </p:nvGraphicFramePr>
+        <p:xfrm>
+          <a:off x="1371600" y="3352798"/>
+          <a:ext cx="6019800" cy="2895600"/>
+        </p:xfrm>
+        <a:graphic>
+          <a:graphicData uri="http://schemas.openxmlformats.org/drawingml/2006/table">
+            <a:tbl>
+              <a:tblPr firstRow="1" firstCol="1" bandRow="1">
+                <a:tableStyleId>{5C22544A-7EE6-4342-B048-85BDC9FD1C3A}</a:tableStyleId>
+              </a:tblPr>
+              <a:tblGrid>
+                <a:gridCol w="1003300"/>
+                <a:gridCol w="1003300"/>
+                <a:gridCol w="1003300"/>
+                <a:gridCol w="1003300"/>
+                <a:gridCol w="1003300"/>
+                <a:gridCol w="1003300"/>
+              </a:tblGrid>
+              <a:tr h="480930">
+                <a:tc>
+                  <a:txBody>
+                    <a:bodyPr/>
+                    <a:lstStyle/>
+                    <a:p>
+                      <a:pPr algn="ctr">
+                        <a:spcBef>
+                          <a:spcPts val="600"/>
+                        </a:spcBef>
+                        <a:spcAft>
+                          <a:spcPts val="600"/>
+                        </a:spcAft>
+                      </a:pPr>
+                      <a:r>
+                        <a:rPr lang="hr-HR" sz="2800" dirty="0" smtClean="0">
+                          <a:effectLst/>
+                          <a:latin typeface="Arial"/>
+                          <a:ea typeface="Times New Roman"/>
+                          <a:cs typeface="Times New Roman"/>
+                        </a:rPr>
+                        <a:t>\</a:t>
+                      </a:r>
+                      <a:endParaRPr lang="hr-HR" sz="2800" dirty="0">
+                        <a:effectLst/>
+                        <a:latin typeface="Arial"/>
+                        <a:ea typeface="Times New Roman"/>
+                        <a:cs typeface="Times New Roman"/>
+                      </a:endParaRPr>
+                    </a:p>
+                  </a:txBody>
+                  <a:tcPr marL="68580" marR="68580" marT="0" marB="0" anchor="ctr"/>
+                </a:tc>
+                <a:tc>
+                  <a:txBody>
+                    <a:bodyPr/>
+                    <a:lstStyle/>
+                    <a:p>
+                      <a:pPr algn="ctr">
+                        <a:spcBef>
+                          <a:spcPts val="600"/>
+                        </a:spcBef>
+                        <a:spcAft>
+                          <a:spcPts val="600"/>
+                        </a:spcAft>
+                      </a:pPr>
+                      <a:r>
+                        <a:rPr lang="hr-HR" sz="1600" dirty="0">
+                          <a:effectLst/>
+                        </a:rPr>
+                        <a:t>A</a:t>
+                      </a:r>
+                      <a:endParaRPr lang="hr-HR" sz="1600" dirty="0">
+                        <a:effectLst/>
+                        <a:latin typeface="Arial"/>
+                        <a:ea typeface="Times New Roman"/>
+                        <a:cs typeface="Times New Roman"/>
+                      </a:endParaRPr>
+                    </a:p>
+                  </a:txBody>
+                  <a:tcPr marL="68580" marR="68580" marT="0" marB="0" anchor="ctr"/>
+                </a:tc>
+                <a:tc>
+                  <a:txBody>
+                    <a:bodyPr/>
+                    <a:lstStyle/>
+                    <a:p>
+                      <a:pPr algn="ctr">
+                        <a:spcBef>
+                          <a:spcPts val="600"/>
+                        </a:spcBef>
+                        <a:spcAft>
+                          <a:spcPts val="600"/>
+                        </a:spcAft>
+                      </a:pPr>
+                      <a:r>
+                        <a:rPr lang="hr-HR" sz="1600" dirty="0">
+                          <a:effectLst/>
+                        </a:rPr>
+                        <a:t>G</a:t>
+                      </a:r>
+                      <a:endParaRPr lang="hr-HR" sz="1600" dirty="0">
+                        <a:effectLst/>
+                        <a:latin typeface="Arial"/>
+                        <a:ea typeface="Times New Roman"/>
+                        <a:cs typeface="Times New Roman"/>
+                      </a:endParaRPr>
+                    </a:p>
+                  </a:txBody>
+                  <a:tcPr marL="68580" marR="68580" marT="0" marB="0" anchor="ctr"/>
+                </a:tc>
+                <a:tc>
+                  <a:txBody>
+                    <a:bodyPr/>
+                    <a:lstStyle/>
+                    <a:p>
+                      <a:pPr algn="ctr">
+                        <a:spcBef>
+                          <a:spcPts val="600"/>
+                        </a:spcBef>
+                        <a:spcAft>
+                          <a:spcPts val="600"/>
+                        </a:spcAft>
+                      </a:pPr>
+                      <a:r>
+                        <a:rPr lang="hr-HR" sz="1600" dirty="0">
+                          <a:effectLst/>
+                        </a:rPr>
+                        <a:t>A</a:t>
+                      </a:r>
+                      <a:endParaRPr lang="hr-HR" sz="1600" dirty="0">
+                        <a:effectLst/>
+                        <a:latin typeface="Arial"/>
+                        <a:ea typeface="Times New Roman"/>
+                        <a:cs typeface="Times New Roman"/>
+                      </a:endParaRPr>
+                    </a:p>
+                  </a:txBody>
+                  <a:tcPr marL="68580" marR="68580" marT="0" marB="0" anchor="ctr"/>
+                </a:tc>
+                <a:tc>
+                  <a:txBody>
+                    <a:bodyPr/>
+                    <a:lstStyle/>
+                    <a:p>
+                      <a:pPr algn="ctr">
+                        <a:spcBef>
+                          <a:spcPts val="600"/>
+                        </a:spcBef>
+                        <a:spcAft>
+                          <a:spcPts val="600"/>
+                        </a:spcAft>
+                      </a:pPr>
+                      <a:r>
+                        <a:rPr lang="hr-HR" sz="1600" dirty="0">
+                          <a:effectLst/>
+                        </a:rPr>
+                        <a:t>C</a:t>
+                      </a:r>
+                      <a:endParaRPr lang="hr-HR" sz="1600" dirty="0">
+                        <a:effectLst/>
+                        <a:latin typeface="Arial"/>
+                        <a:ea typeface="Times New Roman"/>
+                        <a:cs typeface="Times New Roman"/>
+                      </a:endParaRPr>
+                    </a:p>
+                  </a:txBody>
+                  <a:tcPr marL="68580" marR="68580" marT="0" marB="0" anchor="ctr"/>
+                </a:tc>
+                <a:tc>
+                  <a:txBody>
+                    <a:bodyPr/>
+                    <a:lstStyle/>
+                    <a:p>
+                      <a:pPr algn="ctr">
+                        <a:spcBef>
+                          <a:spcPts val="600"/>
+                        </a:spcBef>
+                        <a:spcAft>
+                          <a:spcPts val="600"/>
+                        </a:spcAft>
+                      </a:pPr>
+                      <a:r>
+                        <a:rPr lang="hr-HR" sz="1600" dirty="0">
+                          <a:effectLst/>
+                        </a:rPr>
+                        <a:t>G</a:t>
+                      </a:r>
+                      <a:endParaRPr lang="hr-HR" sz="1600" dirty="0">
+                        <a:effectLst/>
+                        <a:latin typeface="Arial"/>
+                        <a:ea typeface="Times New Roman"/>
+                        <a:cs typeface="Times New Roman"/>
+                      </a:endParaRPr>
+                    </a:p>
+                  </a:txBody>
+                  <a:tcPr marL="68580" marR="68580" marT="0" marB="0" anchor="ctr"/>
+                </a:tc>
+              </a:tr>
+              <a:tr h="480930">
+                <a:tc>
+                  <a:txBody>
+                    <a:bodyPr/>
+                    <a:lstStyle/>
+                    <a:p>
+                      <a:pPr algn="ctr">
+                        <a:spcBef>
+                          <a:spcPts val="600"/>
+                        </a:spcBef>
+                        <a:spcAft>
+                          <a:spcPts val="600"/>
+                        </a:spcAft>
+                      </a:pPr>
+                      <a:r>
+                        <a:rPr lang="hr-HR" sz="1600" dirty="0">
+                          <a:effectLst/>
+                        </a:rPr>
+                        <a:t>A</a:t>
+                      </a:r>
+                      <a:endParaRPr lang="hr-HR" sz="1600" dirty="0">
+                        <a:effectLst/>
+                        <a:latin typeface="Arial"/>
+                        <a:ea typeface="Times New Roman"/>
+                        <a:cs typeface="Times New Roman"/>
+                      </a:endParaRPr>
+                    </a:p>
+                  </a:txBody>
+                  <a:tcPr marL="68580" marR="68580" marT="0" marB="0" anchor="ctr"/>
+                </a:tc>
+                <a:tc>
+                  <a:txBody>
+                    <a:bodyPr/>
+                    <a:lstStyle/>
+                    <a:p>
+                      <a:pPr algn="ctr">
+                        <a:spcBef>
+                          <a:spcPts val="600"/>
+                        </a:spcBef>
+                        <a:spcAft>
+                          <a:spcPts val="600"/>
+                        </a:spcAft>
+                      </a:pPr>
+                      <a:r>
+                        <a:rPr lang="hr-HR" sz="1800">
+                          <a:effectLst/>
+                        </a:rPr>
+                        <a:t>5</a:t>
+                      </a:r>
+                      <a:endParaRPr lang="hr-HR" sz="1800">
+                        <a:effectLst/>
+                        <a:latin typeface="Arial"/>
+                        <a:ea typeface="Times New Roman"/>
+                        <a:cs typeface="Times New Roman"/>
+                      </a:endParaRPr>
+                    </a:p>
+                  </a:txBody>
+                  <a:tcPr marL="68580" marR="68580" marT="0" marB="0" anchor="ctr"/>
+                </a:tc>
+                <a:tc>
+                  <a:txBody>
+                    <a:bodyPr/>
+                    <a:lstStyle/>
+                    <a:p>
+                      <a:pPr algn="ctr">
+                        <a:spcBef>
+                          <a:spcPts val="600"/>
+                        </a:spcBef>
+                        <a:spcAft>
+                          <a:spcPts val="600"/>
+                        </a:spcAft>
+                      </a:pPr>
+                      <a:r>
+                        <a:rPr lang="hr-HR" sz="1800">
+                          <a:effectLst/>
+                        </a:rPr>
+                        <a:t>0</a:t>
+                      </a:r>
+                      <a:endParaRPr lang="hr-HR" sz="1800">
+                        <a:effectLst/>
+                        <a:latin typeface="Arial"/>
+                        <a:ea typeface="Times New Roman"/>
+                        <a:cs typeface="Times New Roman"/>
+                      </a:endParaRPr>
+                    </a:p>
+                  </a:txBody>
+                  <a:tcPr marL="68580" marR="68580" marT="0" marB="0" anchor="ctr"/>
+                </a:tc>
+                <a:tc>
+                  <a:txBody>
+                    <a:bodyPr/>
+                    <a:lstStyle/>
+                    <a:p>
+                      <a:pPr algn="ctr">
+                        <a:spcBef>
+                          <a:spcPts val="600"/>
+                        </a:spcBef>
+                        <a:spcAft>
+                          <a:spcPts val="600"/>
+                        </a:spcAft>
+                      </a:pPr>
+                      <a:r>
+                        <a:rPr lang="hr-HR" sz="1800" u="none" dirty="0">
+                          <a:effectLst/>
+                        </a:rPr>
+                        <a:t>1</a:t>
+                      </a:r>
+                      <a:endParaRPr lang="hr-HR" sz="1800" u="none" dirty="0">
+                        <a:effectLst/>
+                        <a:latin typeface="Arial"/>
+                        <a:ea typeface="Times New Roman"/>
+                        <a:cs typeface="Times New Roman"/>
+                      </a:endParaRPr>
+                    </a:p>
+                  </a:txBody>
+                  <a:tcPr marL="68580" marR="68580" marT="0" marB="0" anchor="ctr"/>
+                </a:tc>
+                <a:tc>
+                  <a:txBody>
+                    <a:bodyPr/>
+                    <a:lstStyle/>
+                    <a:p>
+                      <a:pPr algn="ctr">
+                        <a:spcBef>
+                          <a:spcPts val="600"/>
+                        </a:spcBef>
+                        <a:spcAft>
+                          <a:spcPts val="600"/>
+                        </a:spcAft>
+                      </a:pPr>
+                      <a:r>
+                        <a:rPr lang="hr-HR" sz="1800">
+                          <a:effectLst/>
+                        </a:rPr>
+                        <a:t>0</a:t>
+                      </a:r>
+                      <a:endParaRPr lang="hr-HR" sz="1800">
+                        <a:effectLst/>
+                        <a:latin typeface="Arial"/>
+                        <a:ea typeface="Times New Roman"/>
+                        <a:cs typeface="Times New Roman"/>
+                      </a:endParaRPr>
+                    </a:p>
+                  </a:txBody>
+                  <a:tcPr marL="68580" marR="68580" marT="0" marB="0" anchor="ctr"/>
+                </a:tc>
+                <a:tc>
+                  <a:txBody>
+                    <a:bodyPr/>
+                    <a:lstStyle/>
+                    <a:p>
+                      <a:pPr algn="ctr">
+                        <a:spcBef>
+                          <a:spcPts val="600"/>
+                        </a:spcBef>
+                        <a:spcAft>
+                          <a:spcPts val="600"/>
+                        </a:spcAft>
+                      </a:pPr>
+                      <a:r>
+                        <a:rPr lang="hr-HR" sz="1800">
+                          <a:effectLst/>
+                        </a:rPr>
+                        <a:t>0</a:t>
+                      </a:r>
+                      <a:endParaRPr lang="hr-HR" sz="1800">
+                        <a:effectLst/>
+                        <a:latin typeface="Arial"/>
+                        <a:ea typeface="Times New Roman"/>
+                        <a:cs typeface="Times New Roman"/>
+                      </a:endParaRPr>
+                    </a:p>
+                  </a:txBody>
+                  <a:tcPr marL="68580" marR="68580" marT="0" marB="0" anchor="ctr"/>
+                </a:tc>
+              </a:tr>
+              <a:tr h="480930">
+                <a:tc>
+                  <a:txBody>
+                    <a:bodyPr/>
+                    <a:lstStyle/>
+                    <a:p>
+                      <a:pPr algn="ctr">
+                        <a:spcBef>
+                          <a:spcPts val="600"/>
+                        </a:spcBef>
+                        <a:spcAft>
+                          <a:spcPts val="600"/>
+                        </a:spcAft>
+                      </a:pPr>
+                      <a:r>
+                        <a:rPr lang="hr-HR" sz="1600">
+                          <a:effectLst/>
+                        </a:rPr>
+                        <a:t>G</a:t>
+                      </a:r>
+                      <a:endParaRPr lang="hr-HR" sz="1600">
+                        <a:effectLst/>
+                        <a:latin typeface="Arial"/>
+                        <a:ea typeface="Times New Roman"/>
+                        <a:cs typeface="Times New Roman"/>
+                      </a:endParaRPr>
+                    </a:p>
+                  </a:txBody>
+                  <a:tcPr marL="68580" marR="68580" marT="0" marB="0" anchor="ctr"/>
+                </a:tc>
+                <a:tc>
+                  <a:txBody>
+                    <a:bodyPr/>
+                    <a:lstStyle/>
+                    <a:p>
+                      <a:pPr algn="ctr">
+                        <a:spcBef>
+                          <a:spcPts val="600"/>
+                        </a:spcBef>
+                        <a:spcAft>
+                          <a:spcPts val="600"/>
+                        </a:spcAft>
+                      </a:pPr>
+                      <a:r>
+                        <a:rPr lang="hr-HR" sz="1800" dirty="0">
+                          <a:effectLst/>
+                        </a:rPr>
+                        <a:t>0</a:t>
+                      </a:r>
+                      <a:endParaRPr lang="hr-HR" sz="1800" dirty="0">
+                        <a:effectLst/>
+                        <a:latin typeface="Arial"/>
+                        <a:ea typeface="Times New Roman"/>
+                        <a:cs typeface="Times New Roman"/>
+                      </a:endParaRPr>
+                    </a:p>
+                  </a:txBody>
+                  <a:tcPr marL="68580" marR="68580" marT="0" marB="0" anchor="ctr"/>
+                </a:tc>
+                <a:tc>
+                  <a:txBody>
+                    <a:bodyPr/>
+                    <a:lstStyle/>
+                    <a:p>
+                      <a:pPr algn="ctr">
+                        <a:spcBef>
+                          <a:spcPts val="600"/>
+                        </a:spcBef>
+                        <a:spcAft>
+                          <a:spcPts val="600"/>
+                        </a:spcAft>
+                      </a:pPr>
+                      <a:r>
+                        <a:rPr lang="hr-HR" sz="1800">
+                          <a:effectLst/>
+                        </a:rPr>
+                        <a:t>4</a:t>
+                      </a:r>
+                      <a:endParaRPr lang="hr-HR" sz="1800">
+                        <a:effectLst/>
+                        <a:latin typeface="Arial"/>
+                        <a:ea typeface="Times New Roman"/>
+                        <a:cs typeface="Times New Roman"/>
+                      </a:endParaRPr>
+                    </a:p>
+                  </a:txBody>
+                  <a:tcPr marL="68580" marR="68580" marT="0" marB="0" anchor="ctr"/>
+                </a:tc>
+                <a:tc>
+                  <a:txBody>
+                    <a:bodyPr/>
+                    <a:lstStyle/>
+                    <a:p>
+                      <a:pPr algn="ctr">
+                        <a:spcBef>
+                          <a:spcPts val="600"/>
+                        </a:spcBef>
+                        <a:spcAft>
+                          <a:spcPts val="600"/>
+                        </a:spcAft>
+                      </a:pPr>
+                      <a:r>
+                        <a:rPr lang="hr-HR" sz="1800">
+                          <a:effectLst/>
+                        </a:rPr>
+                        <a:t>0</a:t>
+                      </a:r>
+                      <a:endParaRPr lang="hr-HR" sz="1800">
+                        <a:effectLst/>
+                        <a:latin typeface="Arial"/>
+                        <a:ea typeface="Times New Roman"/>
+                        <a:cs typeface="Times New Roman"/>
+                      </a:endParaRPr>
+                    </a:p>
+                  </a:txBody>
+                  <a:tcPr marL="68580" marR="68580" marT="0" marB="0" anchor="ctr"/>
+                </a:tc>
+                <a:tc>
+                  <a:txBody>
+                    <a:bodyPr/>
+                    <a:lstStyle/>
+                    <a:p>
+                      <a:pPr algn="ctr">
+                        <a:spcBef>
+                          <a:spcPts val="600"/>
+                        </a:spcBef>
+                        <a:spcAft>
+                          <a:spcPts val="600"/>
+                        </a:spcAft>
+                      </a:pPr>
+                      <a:r>
+                        <a:rPr lang="hr-HR" sz="1800">
+                          <a:effectLst/>
+                        </a:rPr>
+                        <a:t>0</a:t>
+                      </a:r>
+                      <a:endParaRPr lang="hr-HR" sz="1800">
+                        <a:effectLst/>
+                        <a:latin typeface="Arial"/>
+                        <a:ea typeface="Times New Roman"/>
+                        <a:cs typeface="Times New Roman"/>
+                      </a:endParaRPr>
+                    </a:p>
+                  </a:txBody>
+                  <a:tcPr marL="68580" marR="68580" marT="0" marB="0" anchor="ctr"/>
+                </a:tc>
+                <a:tc>
+                  <a:txBody>
+                    <a:bodyPr/>
+                    <a:lstStyle/>
+                    <a:p>
+                      <a:pPr algn="ctr">
+                        <a:spcBef>
+                          <a:spcPts val="600"/>
+                        </a:spcBef>
+                        <a:spcAft>
+                          <a:spcPts val="600"/>
+                        </a:spcAft>
+                      </a:pPr>
+                      <a:r>
+                        <a:rPr lang="hr-HR" sz="1800">
+                          <a:effectLst/>
+                        </a:rPr>
+                        <a:t>1</a:t>
+                      </a:r>
+                      <a:endParaRPr lang="hr-HR" sz="1800">
+                        <a:effectLst/>
+                        <a:latin typeface="Arial"/>
+                        <a:ea typeface="Times New Roman"/>
+                        <a:cs typeface="Times New Roman"/>
+                      </a:endParaRPr>
+                    </a:p>
+                  </a:txBody>
+                  <a:tcPr marL="68580" marR="68580" marT="0" marB="0" anchor="ctr"/>
+                </a:tc>
+              </a:tr>
+              <a:tr h="480930">
+                <a:tc>
+                  <a:txBody>
+                    <a:bodyPr/>
+                    <a:lstStyle/>
+                    <a:p>
+                      <a:pPr algn="ctr">
+                        <a:spcBef>
+                          <a:spcPts val="600"/>
+                        </a:spcBef>
+                        <a:spcAft>
+                          <a:spcPts val="600"/>
+                        </a:spcAft>
+                      </a:pPr>
+                      <a:r>
+                        <a:rPr lang="hr-HR" sz="1600">
+                          <a:effectLst/>
+                        </a:rPr>
+                        <a:t>A</a:t>
+                      </a:r>
+                      <a:endParaRPr lang="hr-HR" sz="1600">
+                        <a:effectLst/>
+                        <a:latin typeface="Arial"/>
+                        <a:ea typeface="Times New Roman"/>
+                        <a:cs typeface="Times New Roman"/>
+                      </a:endParaRPr>
+                    </a:p>
+                  </a:txBody>
+                  <a:tcPr marL="68580" marR="68580" marT="0" marB="0" anchor="ctr"/>
+                </a:tc>
+                <a:tc>
+                  <a:txBody>
+                    <a:bodyPr/>
+                    <a:lstStyle/>
+                    <a:p>
+                      <a:pPr algn="ctr">
+                        <a:spcBef>
+                          <a:spcPts val="600"/>
+                        </a:spcBef>
+                        <a:spcAft>
+                          <a:spcPts val="600"/>
+                        </a:spcAft>
+                      </a:pPr>
+                      <a:r>
+                        <a:rPr lang="hr-HR" sz="1800">
+                          <a:effectLst/>
+                        </a:rPr>
+                        <a:t>1</a:t>
+                      </a:r>
+                      <a:endParaRPr lang="hr-HR" sz="1800">
+                        <a:effectLst/>
+                        <a:latin typeface="Arial"/>
+                        <a:ea typeface="Times New Roman"/>
+                        <a:cs typeface="Times New Roman"/>
+                      </a:endParaRPr>
+                    </a:p>
+                  </a:txBody>
+                  <a:tcPr marL="68580" marR="68580" marT="0" marB="0" anchor="ctr"/>
+                </a:tc>
+                <a:tc>
+                  <a:txBody>
+                    <a:bodyPr/>
+                    <a:lstStyle/>
+                    <a:p>
+                      <a:pPr algn="ctr">
+                        <a:spcBef>
+                          <a:spcPts val="600"/>
+                        </a:spcBef>
+                        <a:spcAft>
+                          <a:spcPts val="600"/>
+                        </a:spcAft>
+                      </a:pPr>
+                      <a:r>
+                        <a:rPr lang="hr-HR" sz="1800" dirty="0">
+                          <a:effectLst/>
+                        </a:rPr>
+                        <a:t>0</a:t>
+                      </a:r>
+                      <a:endParaRPr lang="hr-HR" sz="1800" dirty="0">
+                        <a:effectLst/>
+                        <a:latin typeface="Arial"/>
+                        <a:ea typeface="Times New Roman"/>
+                        <a:cs typeface="Times New Roman"/>
+                      </a:endParaRPr>
+                    </a:p>
+                  </a:txBody>
+                  <a:tcPr marL="68580" marR="68580" marT="0" marB="0" anchor="ctr"/>
+                </a:tc>
+                <a:tc>
+                  <a:txBody>
+                    <a:bodyPr/>
+                    <a:lstStyle/>
+                    <a:p>
+                      <a:pPr algn="ctr">
+                        <a:spcBef>
+                          <a:spcPts val="600"/>
+                        </a:spcBef>
+                        <a:spcAft>
+                          <a:spcPts val="600"/>
+                        </a:spcAft>
+                      </a:pPr>
+                      <a:r>
+                        <a:rPr lang="hr-HR" sz="1800">
+                          <a:effectLst/>
+                        </a:rPr>
+                        <a:t>3</a:t>
+                      </a:r>
+                      <a:endParaRPr lang="hr-HR" sz="1800">
+                        <a:effectLst/>
+                        <a:latin typeface="Arial"/>
+                        <a:ea typeface="Times New Roman"/>
+                        <a:cs typeface="Times New Roman"/>
+                      </a:endParaRPr>
+                    </a:p>
+                  </a:txBody>
+                  <a:tcPr marL="68580" marR="68580" marT="0" marB="0" anchor="ctr"/>
+                </a:tc>
+                <a:tc>
+                  <a:txBody>
+                    <a:bodyPr/>
+                    <a:lstStyle/>
+                    <a:p>
+                      <a:pPr algn="ctr">
+                        <a:spcBef>
+                          <a:spcPts val="600"/>
+                        </a:spcBef>
+                        <a:spcAft>
+                          <a:spcPts val="600"/>
+                        </a:spcAft>
+                      </a:pPr>
+                      <a:r>
+                        <a:rPr lang="hr-HR" sz="1800">
+                          <a:effectLst/>
+                        </a:rPr>
+                        <a:t>0</a:t>
+                      </a:r>
+                      <a:endParaRPr lang="hr-HR" sz="1800">
+                        <a:effectLst/>
+                        <a:latin typeface="Arial"/>
+                        <a:ea typeface="Times New Roman"/>
+                        <a:cs typeface="Times New Roman"/>
+                      </a:endParaRPr>
+                    </a:p>
+                  </a:txBody>
+                  <a:tcPr marL="68580" marR="68580" marT="0" marB="0" anchor="ctr"/>
+                </a:tc>
+                <a:tc>
+                  <a:txBody>
+                    <a:bodyPr/>
+                    <a:lstStyle/>
+                    <a:p>
+                      <a:pPr algn="ctr">
+                        <a:spcBef>
+                          <a:spcPts val="600"/>
+                        </a:spcBef>
+                        <a:spcAft>
+                          <a:spcPts val="600"/>
+                        </a:spcAft>
+                      </a:pPr>
+                      <a:r>
+                        <a:rPr lang="hr-HR" sz="1800">
+                          <a:effectLst/>
+                        </a:rPr>
+                        <a:t>0</a:t>
+                      </a:r>
+                      <a:endParaRPr lang="hr-HR" sz="1800">
+                        <a:effectLst/>
+                        <a:latin typeface="Arial"/>
+                        <a:ea typeface="Times New Roman"/>
+                        <a:cs typeface="Times New Roman"/>
+                      </a:endParaRPr>
+                    </a:p>
+                  </a:txBody>
+                  <a:tcPr marL="68580" marR="68580" marT="0" marB="0" anchor="ctr"/>
+                </a:tc>
+              </a:tr>
+              <a:tr h="480930">
+                <a:tc>
+                  <a:txBody>
+                    <a:bodyPr/>
+                    <a:lstStyle/>
+                    <a:p>
+                      <a:pPr algn="ctr">
+                        <a:spcBef>
+                          <a:spcPts val="600"/>
+                        </a:spcBef>
+                        <a:spcAft>
+                          <a:spcPts val="600"/>
+                        </a:spcAft>
+                      </a:pPr>
+                      <a:r>
+                        <a:rPr lang="hr-HR" sz="1600">
+                          <a:effectLst/>
+                        </a:rPr>
+                        <a:t>C</a:t>
+                      </a:r>
+                      <a:endParaRPr lang="hr-HR" sz="1600">
+                        <a:effectLst/>
+                        <a:latin typeface="Arial"/>
+                        <a:ea typeface="Times New Roman"/>
+                        <a:cs typeface="Times New Roman"/>
+                      </a:endParaRPr>
+                    </a:p>
+                  </a:txBody>
+                  <a:tcPr marL="68580" marR="68580" marT="0" marB="0" anchor="ctr"/>
+                </a:tc>
+                <a:tc>
+                  <a:txBody>
+                    <a:bodyPr/>
+                    <a:lstStyle/>
+                    <a:p>
+                      <a:pPr algn="ctr">
+                        <a:spcBef>
+                          <a:spcPts val="600"/>
+                        </a:spcBef>
+                        <a:spcAft>
+                          <a:spcPts val="600"/>
+                        </a:spcAft>
+                      </a:pPr>
+                      <a:r>
+                        <a:rPr lang="hr-HR" sz="1800">
+                          <a:effectLst/>
+                        </a:rPr>
+                        <a:t>0</a:t>
+                      </a:r>
+                      <a:endParaRPr lang="hr-HR" sz="1800">
+                        <a:effectLst/>
+                        <a:latin typeface="Arial"/>
+                        <a:ea typeface="Times New Roman"/>
+                        <a:cs typeface="Times New Roman"/>
+                      </a:endParaRPr>
+                    </a:p>
+                  </a:txBody>
+                  <a:tcPr marL="68580" marR="68580" marT="0" marB="0" anchor="ctr"/>
+                </a:tc>
+                <a:tc>
+                  <a:txBody>
+                    <a:bodyPr/>
+                    <a:lstStyle/>
+                    <a:p>
+                      <a:pPr algn="ctr">
+                        <a:spcBef>
+                          <a:spcPts val="600"/>
+                        </a:spcBef>
+                        <a:spcAft>
+                          <a:spcPts val="600"/>
+                        </a:spcAft>
+                      </a:pPr>
+                      <a:r>
+                        <a:rPr lang="hr-HR" sz="1800">
+                          <a:effectLst/>
+                        </a:rPr>
+                        <a:t>0</a:t>
+                      </a:r>
+                      <a:endParaRPr lang="hr-HR" sz="1800">
+                        <a:effectLst/>
+                        <a:latin typeface="Arial"/>
+                        <a:ea typeface="Times New Roman"/>
+                        <a:cs typeface="Times New Roman"/>
+                      </a:endParaRPr>
+                    </a:p>
+                  </a:txBody>
+                  <a:tcPr marL="68580" marR="68580" marT="0" marB="0" anchor="ctr"/>
+                </a:tc>
+                <a:tc>
+                  <a:txBody>
+                    <a:bodyPr/>
+                    <a:lstStyle/>
+                    <a:p>
+                      <a:pPr algn="ctr">
+                        <a:spcBef>
+                          <a:spcPts val="600"/>
+                        </a:spcBef>
+                        <a:spcAft>
+                          <a:spcPts val="600"/>
+                        </a:spcAft>
+                      </a:pPr>
+                      <a:r>
+                        <a:rPr lang="hr-HR" sz="1800" dirty="0">
+                          <a:effectLst/>
+                        </a:rPr>
+                        <a:t>0</a:t>
+                      </a:r>
+                      <a:endParaRPr lang="hr-HR" sz="1800" dirty="0">
+                        <a:effectLst/>
+                        <a:latin typeface="Arial"/>
+                        <a:ea typeface="Times New Roman"/>
+                        <a:cs typeface="Times New Roman"/>
+                      </a:endParaRPr>
+                    </a:p>
+                  </a:txBody>
+                  <a:tcPr marL="68580" marR="68580" marT="0" marB="0" anchor="ctr"/>
+                </a:tc>
+                <a:tc>
+                  <a:txBody>
+                    <a:bodyPr/>
+                    <a:lstStyle/>
+                    <a:p>
+                      <a:pPr algn="ctr">
+                        <a:spcBef>
+                          <a:spcPts val="600"/>
+                        </a:spcBef>
+                        <a:spcAft>
+                          <a:spcPts val="600"/>
+                        </a:spcAft>
+                      </a:pPr>
+                      <a:r>
+                        <a:rPr lang="hr-HR" sz="1800">
+                          <a:effectLst/>
+                        </a:rPr>
+                        <a:t>2</a:t>
+                      </a:r>
+                      <a:endParaRPr lang="hr-HR" sz="1800">
+                        <a:effectLst/>
+                        <a:latin typeface="Arial"/>
+                        <a:ea typeface="Times New Roman"/>
+                        <a:cs typeface="Times New Roman"/>
+                      </a:endParaRPr>
+                    </a:p>
+                  </a:txBody>
+                  <a:tcPr marL="68580" marR="68580" marT="0" marB="0" anchor="ctr"/>
+                </a:tc>
+                <a:tc>
+                  <a:txBody>
+                    <a:bodyPr/>
+                    <a:lstStyle/>
+                    <a:p>
+                      <a:pPr algn="ctr">
+                        <a:spcBef>
+                          <a:spcPts val="600"/>
+                        </a:spcBef>
+                        <a:spcAft>
+                          <a:spcPts val="600"/>
+                        </a:spcAft>
+                      </a:pPr>
+                      <a:r>
+                        <a:rPr lang="hr-HR" sz="1800">
+                          <a:effectLst/>
+                        </a:rPr>
+                        <a:t>0</a:t>
+                      </a:r>
+                      <a:endParaRPr lang="hr-HR" sz="1800">
+                        <a:effectLst/>
+                        <a:latin typeface="Arial"/>
+                        <a:ea typeface="Times New Roman"/>
+                        <a:cs typeface="Times New Roman"/>
+                      </a:endParaRPr>
+                    </a:p>
+                  </a:txBody>
+                  <a:tcPr marL="68580" marR="68580" marT="0" marB="0" anchor="ctr"/>
+                </a:tc>
+              </a:tr>
+              <a:tr h="490950">
+                <a:tc>
+                  <a:txBody>
+                    <a:bodyPr/>
+                    <a:lstStyle/>
+                    <a:p>
+                      <a:pPr algn="ctr">
+                        <a:spcBef>
+                          <a:spcPts val="600"/>
+                        </a:spcBef>
+                        <a:spcAft>
+                          <a:spcPts val="600"/>
+                        </a:spcAft>
+                      </a:pPr>
+                      <a:r>
+                        <a:rPr lang="hr-HR" sz="1600">
+                          <a:effectLst/>
+                        </a:rPr>
+                        <a:t>G</a:t>
+                      </a:r>
+                      <a:endParaRPr lang="hr-HR" sz="1600">
+                        <a:effectLst/>
+                        <a:latin typeface="Arial"/>
+                        <a:ea typeface="Times New Roman"/>
+                        <a:cs typeface="Times New Roman"/>
+                      </a:endParaRPr>
+                    </a:p>
+                  </a:txBody>
+                  <a:tcPr marL="68580" marR="68580" marT="0" marB="0" anchor="ctr"/>
+                </a:tc>
+                <a:tc>
+                  <a:txBody>
+                    <a:bodyPr/>
+                    <a:lstStyle/>
+                    <a:p>
+                      <a:pPr algn="ctr">
+                        <a:spcBef>
+                          <a:spcPts val="600"/>
+                        </a:spcBef>
+                        <a:spcAft>
+                          <a:spcPts val="600"/>
+                        </a:spcAft>
+                      </a:pPr>
+                      <a:r>
+                        <a:rPr lang="hr-HR" sz="1800">
+                          <a:effectLst/>
+                        </a:rPr>
+                        <a:t>0</a:t>
+                      </a:r>
+                      <a:endParaRPr lang="hr-HR" sz="1800">
+                        <a:effectLst/>
+                        <a:latin typeface="Arial"/>
+                        <a:ea typeface="Times New Roman"/>
+                        <a:cs typeface="Times New Roman"/>
+                      </a:endParaRPr>
+                    </a:p>
+                  </a:txBody>
+                  <a:tcPr marL="68580" marR="68580" marT="0" marB="0" anchor="ctr"/>
+                </a:tc>
+                <a:tc>
+                  <a:txBody>
+                    <a:bodyPr/>
+                    <a:lstStyle/>
+                    <a:p>
+                      <a:pPr algn="ctr">
+                        <a:spcBef>
+                          <a:spcPts val="600"/>
+                        </a:spcBef>
+                        <a:spcAft>
+                          <a:spcPts val="600"/>
+                        </a:spcAft>
+                      </a:pPr>
+                      <a:r>
+                        <a:rPr lang="hr-HR" sz="1800">
+                          <a:effectLst/>
+                        </a:rPr>
+                        <a:t>1</a:t>
+                      </a:r>
+                      <a:endParaRPr lang="hr-HR" sz="1800">
+                        <a:effectLst/>
+                        <a:latin typeface="Arial"/>
+                        <a:ea typeface="Times New Roman"/>
+                        <a:cs typeface="Times New Roman"/>
+                      </a:endParaRPr>
+                    </a:p>
+                  </a:txBody>
+                  <a:tcPr marL="68580" marR="68580" marT="0" marB="0" anchor="ctr"/>
+                </a:tc>
+                <a:tc>
+                  <a:txBody>
+                    <a:bodyPr/>
+                    <a:lstStyle/>
+                    <a:p>
+                      <a:pPr algn="ctr">
+                        <a:spcBef>
+                          <a:spcPts val="600"/>
+                        </a:spcBef>
+                        <a:spcAft>
+                          <a:spcPts val="600"/>
+                        </a:spcAft>
+                      </a:pPr>
+                      <a:r>
+                        <a:rPr lang="hr-HR" sz="1800">
+                          <a:effectLst/>
+                        </a:rPr>
+                        <a:t>0</a:t>
+                      </a:r>
+                      <a:endParaRPr lang="hr-HR" sz="1800">
+                        <a:effectLst/>
+                        <a:latin typeface="Arial"/>
+                        <a:ea typeface="Times New Roman"/>
+                        <a:cs typeface="Times New Roman"/>
+                      </a:endParaRPr>
+                    </a:p>
+                  </a:txBody>
+                  <a:tcPr marL="68580" marR="68580" marT="0" marB="0" anchor="ctr"/>
+                </a:tc>
+                <a:tc>
+                  <a:txBody>
+                    <a:bodyPr/>
+                    <a:lstStyle/>
+                    <a:p>
+                      <a:pPr algn="ctr">
+                        <a:spcBef>
+                          <a:spcPts val="600"/>
+                        </a:spcBef>
+                        <a:spcAft>
+                          <a:spcPts val="600"/>
+                        </a:spcAft>
+                      </a:pPr>
+                      <a:r>
+                        <a:rPr lang="hr-HR" sz="1800" dirty="0">
+                          <a:effectLst/>
+                        </a:rPr>
+                        <a:t>0</a:t>
+                      </a:r>
+                      <a:endParaRPr lang="hr-HR" sz="1800" dirty="0">
+                        <a:effectLst/>
+                        <a:latin typeface="Arial"/>
+                        <a:ea typeface="Times New Roman"/>
+                        <a:cs typeface="Times New Roman"/>
+                      </a:endParaRPr>
+                    </a:p>
+                  </a:txBody>
+                  <a:tcPr marL="68580" marR="68580" marT="0" marB="0" anchor="ctr"/>
+                </a:tc>
+                <a:tc>
+                  <a:txBody>
+                    <a:bodyPr/>
+                    <a:lstStyle/>
+                    <a:p>
+                      <a:pPr algn="ctr">
+                        <a:spcBef>
+                          <a:spcPts val="600"/>
+                        </a:spcBef>
+                        <a:spcAft>
+                          <a:spcPts val="600"/>
+                        </a:spcAft>
+                      </a:pPr>
+                      <a:r>
+                        <a:rPr lang="hr-HR" sz="1800" dirty="0">
+                          <a:effectLst/>
+                        </a:rPr>
+                        <a:t>1</a:t>
+                      </a:r>
+                      <a:endParaRPr lang="hr-HR" sz="1800" dirty="0">
+                        <a:effectLst/>
+                        <a:latin typeface="Arial"/>
+                        <a:ea typeface="Times New Roman"/>
+                        <a:cs typeface="Times New Roman"/>
+                      </a:endParaRPr>
+                    </a:p>
+                  </a:txBody>
+                  <a:tcPr marL="68580" marR="68580" marT="0" marB="0" anchor="ctr"/>
+                </a:tc>
+              </a:tr>
+            </a:tbl>
+          </a:graphicData>
+        </a:graphic>
+      </p:graphicFrame>
     </p:spTree>
+    <p:extLst>
+      <p:ext uri="{BB962C8B-B14F-4D97-AF65-F5344CB8AC3E}">
+        <p14:creationId xmlns:p14="http://schemas.microsoft.com/office/powerpoint/2010/main" val="2866103718"/>
+      </p:ext>
+    </p:extLst>
   </p:cSld>
   <p:clrMapOvr>
     <a:masterClrMapping/>
@@ -5307,98 +6610,314 @@
           <a:bodyPr/>
           <a:lstStyle/>
           <a:p>
+            <a:pPr algn="ctr"/>
             <a:r>
               <a:rPr lang="hr-HR" dirty="0" smtClean="0"/>
-              <a:t>Složenost algoritma</a:t>
+              <a:t>Ideja</a:t>
             </a:r>
             <a:endParaRPr lang="hr-HR" dirty="0"/>
           </a:p>
         </p:txBody>
       </p:sp>
-      <p:sp>
-        <p:nvSpPr>
-          <p:cNvPr id="3" name="Content Placeholder 2"/>
-          <p:cNvSpPr>
-            <a:spLocks noGrp="1"/>
-          </p:cNvSpPr>
-          <p:nvPr>
-            <p:ph idx="1"/>
-          </p:nvPr>
-        </p:nvSpPr>
-        <p:spPr>
-          <a:xfrm>
-            <a:off x="457200" y="2667000"/>
-            <a:ext cx="8229600" cy="3907536"/>
-          </a:xfrm>
-        </p:spPr>
-        <p:txBody>
-          <a:bodyPr/>
-          <a:lstStyle/>
-          <a:p>
-            <a:r>
-              <a:rPr lang="hr-HR" dirty="0" smtClean="0"/>
-              <a:t>Vremenska složenost:</a:t>
-            </a:r>
-          </a:p>
-          <a:p>
-            <a:pPr lvl="1"/>
-            <a:r>
-              <a:rPr lang="hr-HR" dirty="0" smtClean="0"/>
-              <a:t>O(m</a:t>
-            </a:r>
-            <a:r>
-              <a:rPr lang="hr-HR" baseline="30000" dirty="0" smtClean="0"/>
-              <a:t>2 </a:t>
-            </a:r>
-            <a:r>
-              <a:rPr lang="hr-HR" dirty="0" smtClean="0"/>
-              <a:t>+ nk</a:t>
-            </a:r>
-            <a:r>
-              <a:rPr lang="hr-HR" baseline="30000" dirty="0" smtClean="0"/>
-              <a:t>2</a:t>
-            </a:r>
-            <a:r>
-              <a:rPr lang="hr-HR" dirty="0" smtClean="0"/>
-              <a:t>)</a:t>
-            </a:r>
-          </a:p>
-          <a:p>
-            <a:pPr lvl="1"/>
-            <a:endParaRPr lang="hr-HR" dirty="0" smtClean="0"/>
-          </a:p>
-          <a:p>
-            <a:r>
-              <a:rPr lang="hr-HR" dirty="0" smtClean="0"/>
-              <a:t>Memorijska složenost:</a:t>
-            </a:r>
-          </a:p>
-          <a:p>
-            <a:pPr lvl="1"/>
-            <a:r>
-              <a:rPr lang="hr-HR" dirty="0" smtClean="0"/>
-              <a:t>O(m</a:t>
-            </a:r>
-            <a:r>
-              <a:rPr lang="hr-HR" baseline="30000" dirty="0" smtClean="0"/>
-              <a:t>2</a:t>
-            </a:r>
-            <a:r>
-              <a:rPr lang="hr-HR" dirty="0" smtClean="0"/>
-              <a:t> + k</a:t>
-            </a:r>
-            <a:r>
-              <a:rPr lang="hr-HR" baseline="30000" dirty="0" smtClean="0"/>
-              <a:t>2</a:t>
-            </a:r>
-            <a:r>
-              <a:rPr lang="hr-HR" dirty="0" smtClean="0"/>
-              <a:t>)</a:t>
-            </a:r>
-          </a:p>
-        </p:txBody>
-      </p:sp>
+      <mc:AlternateContent xmlns:mc="http://schemas.openxmlformats.org/markup-compatibility/2006">
+        <mc:Choice xmlns:a14="http://schemas.microsoft.com/office/drawing/2010/main" Requires="a14">
+          <p:sp>
+            <p:nvSpPr>
+              <p:cNvPr id="3" name="Content Placeholder 2"/>
+              <p:cNvSpPr>
+                <a:spLocks noGrp="1"/>
+              </p:cNvSpPr>
+              <p:nvPr>
+                <p:ph idx="1"/>
+              </p:nvPr>
+            </p:nvSpPr>
+            <p:spPr/>
+            <p:txBody>
+              <a:bodyPr/>
+              <a:lstStyle/>
+              <a:p>
+                <a14:m>
+                  <m:oMath xmlns:m="http://schemas.openxmlformats.org/officeDocument/2006/math">
+                    <m:sSub>
+                      <m:sSubPr>
+                        <m:ctrlPr>
+                          <a:rPr lang="hr-HR" b="0" i="1" smtClean="0">
+                            <a:latin typeface="Cambria Math"/>
+                          </a:rPr>
+                        </m:ctrlPr>
+                      </m:sSubPr>
+                      <m:e>
+                        <m:r>
+                          <a:rPr lang="hr-HR" b="0" i="1" smtClean="0">
+                            <a:latin typeface="Cambria Math"/>
+                          </a:rPr>
+                          <m:t>𝐿</m:t>
+                        </m:r>
+                      </m:e>
+                      <m:sub>
+                        <m:r>
+                          <a:rPr lang="hr-HR" b="0" i="1" smtClean="0">
+                            <a:latin typeface="Cambria Math"/>
+                          </a:rPr>
+                          <m:t>𝑑</m:t>
+                        </m:r>
+                        <m:r>
+                          <a:rPr lang="hr-HR" b="0" i="1" smtClean="0">
+                            <a:latin typeface="Cambria Math"/>
+                          </a:rPr>
+                          <m:t>, </m:t>
+                        </m:r>
+                        <m:r>
+                          <a:rPr lang="hr-HR" b="0" i="1" smtClean="0">
+                            <a:latin typeface="Cambria Math"/>
+                          </a:rPr>
+                          <m:t>𝑒</m:t>
+                        </m:r>
+                      </m:sub>
+                    </m:sSub>
+                  </m:oMath>
+                </a14:m>
+                <a:r>
+                  <a:rPr lang="hr-HR" dirty="0" smtClean="0"/>
+                  <a:t> - redak do kojeg se može doći po dijagonali </a:t>
+                </a:r>
+                <a:r>
+                  <a:rPr lang="hr-HR" i="1" dirty="0" smtClean="0"/>
+                  <a:t>d</a:t>
+                </a:r>
+                <a:r>
+                  <a:rPr lang="hr-HR" dirty="0" smtClean="0"/>
+                  <a:t> uz maksimalno </a:t>
+                </a:r>
+                <a:r>
+                  <a:rPr lang="hr-HR" i="1" dirty="0" smtClean="0"/>
+                  <a:t>e</a:t>
+                </a:r>
+                <a:r>
+                  <a:rPr lang="hr-HR" dirty="0" smtClean="0"/>
+                  <a:t> razlika</a:t>
+                </a:r>
+              </a:p>
+              <a:p>
+                <a:pPr lvl="1"/>
+                <a:r>
+                  <a:rPr lang="hr-HR" dirty="0" smtClean="0">
+                    <a:solidFill>
+                      <a:schemeClr val="tx1"/>
+                    </a:solidFill>
+                  </a:rPr>
+                  <a:t>dodatna kompresija prostora</a:t>
+                </a:r>
+              </a:p>
+              <a:p>
+                <a:pPr lvl="1"/>
+                <a14:m>
+                  <m:oMath xmlns:m="http://schemas.openxmlformats.org/officeDocument/2006/math">
+                    <m:r>
+                      <a:rPr lang="hr-HR" b="0" i="1" smtClean="0">
+                        <a:solidFill>
+                          <a:schemeClr val="tx1"/>
+                        </a:solidFill>
+                        <a:latin typeface="Cambria Math"/>
+                      </a:rPr>
+                      <m:t>𝑑</m:t>
+                    </m:r>
+                    <m:r>
+                      <a:rPr lang="hr-HR" b="0" i="1" smtClean="0">
+                        <a:solidFill>
+                          <a:schemeClr val="tx1"/>
+                        </a:solidFill>
+                        <a:latin typeface="Cambria Math"/>
+                      </a:rPr>
+                      <m:t>∈</m:t>
+                    </m:r>
+                    <m:d>
+                      <m:dPr>
+                        <m:begChr m:val="{"/>
+                        <m:endChr m:val="}"/>
+                        <m:ctrlPr>
+                          <a:rPr lang="hr-HR" b="0" i="1" smtClean="0">
+                            <a:solidFill>
+                              <a:schemeClr val="tx1"/>
+                            </a:solidFill>
+                            <a:latin typeface="Cambria Math"/>
+                          </a:rPr>
+                        </m:ctrlPr>
+                      </m:dPr>
+                      <m:e>
+                        <m:r>
+                          <a:rPr lang="hr-HR" b="0" i="1" smtClean="0">
+                            <a:solidFill>
+                              <a:schemeClr val="tx1"/>
+                            </a:solidFill>
+                            <a:latin typeface="Cambria Math"/>
+                          </a:rPr>
+                          <m:t>−</m:t>
+                        </m:r>
+                        <m:r>
+                          <a:rPr lang="hr-HR" b="0" i="1" smtClean="0">
+                            <a:solidFill>
+                              <a:schemeClr val="tx1"/>
+                            </a:solidFill>
+                            <a:latin typeface="Cambria Math"/>
+                          </a:rPr>
+                          <m:t>𝑘</m:t>
+                        </m:r>
+                        <m:r>
+                          <a:rPr lang="hr-HR" b="0" i="1" smtClean="0">
+                            <a:solidFill>
+                              <a:schemeClr val="tx1"/>
+                            </a:solidFill>
+                            <a:latin typeface="Cambria Math"/>
+                          </a:rPr>
+                          <m:t>, −</m:t>
+                        </m:r>
+                        <m:r>
+                          <a:rPr lang="hr-HR" b="0" i="1" smtClean="0">
+                            <a:solidFill>
+                              <a:schemeClr val="tx1"/>
+                            </a:solidFill>
+                            <a:latin typeface="Cambria Math"/>
+                          </a:rPr>
+                          <m:t>𝑘</m:t>
+                        </m:r>
+                        <m:r>
+                          <a:rPr lang="hr-HR" b="0" i="1" smtClean="0">
+                            <a:solidFill>
+                              <a:schemeClr val="tx1"/>
+                            </a:solidFill>
+                            <a:latin typeface="Cambria Math"/>
+                          </a:rPr>
+                          <m:t>+1,…,0, …, </m:t>
+                        </m:r>
+                        <m:r>
+                          <a:rPr lang="hr-HR" b="0" i="1" smtClean="0">
+                            <a:solidFill>
+                              <a:schemeClr val="tx1"/>
+                            </a:solidFill>
+                            <a:latin typeface="Cambria Math"/>
+                          </a:rPr>
+                          <m:t>𝑘</m:t>
+                        </m:r>
+                        <m:r>
+                          <a:rPr lang="hr-HR" b="0" i="1" smtClean="0">
+                            <a:solidFill>
+                              <a:schemeClr val="tx1"/>
+                            </a:solidFill>
+                            <a:latin typeface="Cambria Math"/>
+                          </a:rPr>
+                          <m:t> −1, </m:t>
+                        </m:r>
+                        <m:r>
+                          <a:rPr lang="hr-HR" b="0" i="1" smtClean="0">
+                            <a:solidFill>
+                              <a:schemeClr val="tx1"/>
+                            </a:solidFill>
+                            <a:latin typeface="Cambria Math"/>
+                          </a:rPr>
+                          <m:t>𝑘</m:t>
+                        </m:r>
+                      </m:e>
+                    </m:d>
+                  </m:oMath>
+                </a14:m>
+                <a:endParaRPr lang="hr-HR" b="0" dirty="0" smtClean="0">
+                  <a:solidFill>
+                    <a:schemeClr val="tx1"/>
+                  </a:solidFill>
+                </a:endParaRPr>
+              </a:p>
+              <a:p>
+                <a:pPr lvl="1"/>
+                <a14:m>
+                  <m:oMath xmlns:m="http://schemas.openxmlformats.org/officeDocument/2006/math">
+                    <m:r>
+                      <a:rPr lang="hr-HR" b="0" i="1" smtClean="0">
+                        <a:solidFill>
+                          <a:schemeClr val="tx1"/>
+                        </a:solidFill>
+                        <a:latin typeface="Cambria Math"/>
+                      </a:rPr>
+                      <m:t>𝑒</m:t>
+                    </m:r>
+                    <m:r>
+                      <a:rPr lang="hr-HR" b="0" i="1" smtClean="0">
+                        <a:solidFill>
+                          <a:schemeClr val="tx1"/>
+                        </a:solidFill>
+                        <a:latin typeface="Cambria Math"/>
+                      </a:rPr>
+                      <m:t>∈{0, .., </m:t>
+                    </m:r>
+                    <m:r>
+                      <a:rPr lang="hr-HR" b="0" i="1" smtClean="0">
+                        <a:solidFill>
+                          <a:schemeClr val="tx1"/>
+                        </a:solidFill>
+                        <a:latin typeface="Cambria Math"/>
+                      </a:rPr>
+                      <m:t>𝑘</m:t>
+                    </m:r>
+                    <m:r>
+                      <a:rPr lang="hr-HR" b="0" i="1" smtClean="0">
+                        <a:solidFill>
+                          <a:schemeClr val="tx1"/>
+                        </a:solidFill>
+                        <a:latin typeface="Cambria Math"/>
+                      </a:rPr>
+                      <m:t>}</m:t>
+                    </m:r>
+                  </m:oMath>
+                </a14:m>
+                <a:endParaRPr lang="hr-HR" dirty="0" smtClean="0">
+                  <a:solidFill>
+                    <a:schemeClr val="tx1"/>
+                  </a:solidFill>
+                </a:endParaRPr>
+              </a:p>
+            </p:txBody>
+          </p:sp>
+        </mc:Choice>
+        <mc:Fallback>
+          <p:sp>
+            <p:nvSpPr>
+              <p:cNvPr id="3" name="Content Placeholder 2"/>
+              <p:cNvSpPr>
+                <a:spLocks noGrp="1" noRot="1" noChangeAspect="1" noMove="1" noResize="1" noEditPoints="1" noAdjustHandles="1" noChangeArrowheads="1" noChangeShapeType="1" noTextEdit="1"/>
+              </p:cNvSpPr>
+              <p:nvPr>
+                <p:ph idx="1"/>
+              </p:nvPr>
+            </p:nvSpPr>
+            <p:spPr>
+              <a:blipFill rotWithShape="1">
+                <a:blip r:embed="rId2"/>
+                <a:stretch>
+                  <a:fillRect t="-1408"/>
+                </a:stretch>
+              </a:blipFill>
+            </p:spPr>
+            <p:txBody>
+              <a:bodyPr/>
+              <a:lstStyle/>
+              <a:p>
+                <a:r>
+                  <a:rPr lang="hr-HR">
+                    <a:noFill/>
+                  </a:rPr>
+                  <a:t> </a:t>
+                </a:r>
+              </a:p>
+            </p:txBody>
+          </p:sp>
+        </mc:Fallback>
+      </mc:AlternateContent>
     </p:spTree>
+    <p:extLst>
+      <p:ext uri="{BB962C8B-B14F-4D97-AF65-F5344CB8AC3E}">
+        <p14:creationId xmlns:p14="http://schemas.microsoft.com/office/powerpoint/2010/main" val="2541865036"/>
+      </p:ext>
+    </p:extLst>
   </p:cSld>
   <p:clrMapOvr>
     <a:masterClrMapping/>
@@ -5445,9 +6964,10 @@
           <a:bodyPr/>
           <a:lstStyle/>
           <a:p>
+            <a:pPr algn="ctr"/>
             <a:r>
               <a:rPr lang="hr-HR" dirty="0" smtClean="0"/>
-              <a:t>Rezultati, vremenska složenost(1)</a:t>
+              <a:t>Ideja</a:t>
             </a:r>
             <a:endParaRPr lang="hr-HR" dirty="0"/>
           </a:p>
@@ -5468,43 +6988,100 @@
           <a:bodyPr/>
           <a:lstStyle/>
           <a:p>
+            <a:r>
+              <a:rPr lang="hr-HR" dirty="0"/>
+              <a:t>t</a:t>
+            </a:r>
+            <a:r>
+              <a:rPr lang="hr-HR" dirty="0" smtClean="0"/>
+              <a:t>rojke - (p, c, f)</a:t>
+            </a:r>
+          </a:p>
+          <a:p>
+            <a:pPr lvl="1"/>
+            <a:r>
+              <a:rPr lang="hr-HR" dirty="0" smtClean="0">
+                <a:solidFill>
+                  <a:schemeClr val="tx1"/>
+                </a:solidFill>
+              </a:rPr>
+              <a:t>p – indeks početka podniza u tekstu</a:t>
+            </a:r>
+          </a:p>
+          <a:p>
+            <a:pPr lvl="1"/>
+            <a:r>
+              <a:rPr lang="hr-HR" dirty="0" smtClean="0">
+                <a:solidFill>
+                  <a:schemeClr val="tx1"/>
+                </a:solidFill>
+              </a:rPr>
+              <a:t>c – indeks početka podniza u obrascu</a:t>
+            </a:r>
+          </a:p>
+          <a:p>
+            <a:pPr lvl="1"/>
+            <a:r>
+              <a:rPr lang="hr-HR" dirty="0" smtClean="0">
+                <a:solidFill>
+                  <a:schemeClr val="tx1"/>
+                </a:solidFill>
+              </a:rPr>
+              <a:t>f – duljina podudaranja</a:t>
+            </a:r>
+          </a:p>
+          <a:p>
+            <a:r>
+              <a:rPr lang="hr-HR" dirty="0"/>
+              <a:t>l</a:t>
+            </a:r>
+            <a:r>
+              <a:rPr lang="hr-HR" dirty="0" smtClean="0"/>
+              <a:t>ista trojki – sadrži informaciju o poklapanjima i razlikama između teksta i podniza</a:t>
+            </a:r>
+          </a:p>
+          <a:p>
+            <a:r>
+              <a:rPr lang="hr-HR" dirty="0"/>
+              <a:t>liste trojki koriste se s MAXLENGTH </a:t>
+            </a:r>
+            <a:r>
+              <a:rPr lang="hr-HR" dirty="0" smtClean="0"/>
+              <a:t>tablicom</a:t>
+            </a:r>
+          </a:p>
+          <a:p>
+            <a:r>
+              <a:rPr lang="hr-HR" dirty="0"/>
+              <a:t>n</a:t>
+            </a:r>
+            <a:r>
+              <a:rPr lang="hr-HR" dirty="0" smtClean="0"/>
+              <a:t>pr. </a:t>
+            </a:r>
+            <a:r>
+              <a:rPr lang="hr-HR" dirty="0"/>
+              <a:t>(20, 5, 10</a:t>
+            </a:r>
+            <a:r>
+              <a:rPr lang="hr-HR" dirty="0" smtClean="0"/>
+              <a:t>)</a:t>
+            </a:r>
+          </a:p>
+          <a:p>
             <a:endParaRPr lang="hr-HR" dirty="0"/>
           </a:p>
-        </p:txBody>
-      </p:sp>
-      <p:pic>
-        <p:nvPicPr>
-          <p:cNvPr id="1026" name="Picture 2" descr="time"/>
-          <p:cNvPicPr>
-            <a:picLocks noChangeAspect="1" noChangeArrowheads="1"/>
-          </p:cNvPicPr>
-          <p:nvPr/>
-        </p:nvPicPr>
-        <p:blipFill>
-          <a:blip r:embed="rId2"/>
-          <a:srcRect/>
-          <a:stretch>
-            <a:fillRect/>
-          </a:stretch>
-        </p:blipFill>
-        <p:spPr bwMode="auto">
-          <a:xfrm>
-            <a:off x="1524000" y="2057400"/>
-            <a:ext cx="5962650" cy="4495800"/>
-          </a:xfrm>
-          <a:prstGeom prst="rect">
-            <a:avLst/>
-          </a:prstGeom>
-          <a:noFill/>
-          <a:ln w="9525">
-            <a:noFill/>
-            <a:miter lim="800000"/>
-            <a:headEnd/>
-            <a:tailEnd/>
-          </a:ln>
-        </p:spPr>
-      </p:pic>
+          <a:p>
+            <a:endParaRPr lang="hr-HR" dirty="0" smtClean="0"/>
+          </a:p>
+        </p:txBody>
+      </p:sp>
     </p:spTree>
+    <p:extLst>
+      <p:ext uri="{BB962C8B-B14F-4D97-AF65-F5344CB8AC3E}">
+        <p14:creationId xmlns:p14="http://schemas.microsoft.com/office/powerpoint/2010/main" val="282498947"/>
+      </p:ext>
+    </p:extLst>
   </p:cSld>
   <p:clrMapOvr>
     <a:masterClrMapping/>
@@ -5553,7 +7130,7 @@
           <a:p>
             <a:r>
               <a:rPr lang="hr-HR" dirty="0" smtClean="0"/>
-              <a:t>Rezultati, vremenska složenost(2)</a:t>
+              <a:t>Složenost algoritma</a:t>
             </a:r>
             <a:endParaRPr lang="hr-HR" dirty="0"/>
           </a:p>
@@ -5569,47 +7146,79 @@
             <p:ph idx="1"/>
           </p:nvPr>
         </p:nvSpPr>
-        <p:spPr/>
+        <p:spPr>
+          <a:xfrm>
+            <a:off x="457200" y="2667000"/>
+            <a:ext cx="8229600" cy="3907536"/>
+          </a:xfrm>
+        </p:spPr>
         <p:txBody>
           <a:bodyPr/>
           <a:lstStyle/>
           <a:p>
-            <a:endParaRPr lang="hr-HR"/>
-          </a:p>
-        </p:txBody>
-      </p:sp>
-      <p:pic>
-        <p:nvPicPr>
-          <p:cNvPr id="2050" name="Picture 2" descr="JavaAndC"/>
-          <p:cNvPicPr>
-            <a:picLocks noChangeAspect="1" noChangeArrowheads="1"/>
-          </p:cNvPicPr>
-          <p:nvPr/>
-        </p:nvPicPr>
-        <p:blipFill>
-          <a:blip r:embed="rId2"/>
-          <a:srcRect/>
-          <a:stretch>
-            <a:fillRect/>
-          </a:stretch>
-        </p:blipFill>
-        <p:spPr bwMode="auto">
-          <a:xfrm>
-            <a:off x="1524000" y="2057400"/>
-            <a:ext cx="5954964" cy="4495800"/>
-          </a:xfrm>
-          <a:prstGeom prst="rect">
-            <a:avLst/>
-          </a:prstGeom>
-          <a:noFill/>
-          <a:ln w="9525">
-            <a:noFill/>
-            <a:miter lim="800000"/>
-            <a:headEnd/>
-            <a:tailEnd/>
-          </a:ln>
-        </p:spPr>
-      </p:pic>
+            <a:r>
+              <a:rPr lang="hr-HR" dirty="0" smtClean="0"/>
+              <a:t>Vremenska složenost:</a:t>
+            </a:r>
+          </a:p>
+          <a:p>
+            <a:pPr lvl="1"/>
+            <a:r>
+              <a:rPr lang="hr-HR" dirty="0" smtClean="0"/>
+              <a:t>O(m</a:t>
+            </a:r>
+            <a:r>
+              <a:rPr lang="hr-HR" baseline="30000" dirty="0" smtClean="0"/>
+              <a:t>2 </a:t>
+            </a:r>
+            <a:r>
+              <a:rPr lang="hr-HR" dirty="0" smtClean="0"/>
+              <a:t>+ nk</a:t>
+            </a:r>
+            <a:r>
+              <a:rPr lang="hr-HR" baseline="30000" dirty="0" smtClean="0"/>
+              <a:t>2</a:t>
+            </a:r>
+            <a:r>
+              <a:rPr lang="hr-HR" dirty="0" smtClean="0"/>
+              <a:t>)</a:t>
+            </a:r>
+          </a:p>
+          <a:p>
+            <a:pPr lvl="1"/>
+            <a:endParaRPr lang="hr-HR" dirty="0" smtClean="0"/>
+          </a:p>
+          <a:p>
+            <a:r>
+              <a:rPr lang="hr-HR" dirty="0" smtClean="0"/>
+              <a:t>Memorijska složenost:</a:t>
+            </a:r>
+          </a:p>
+          <a:p>
+            <a:pPr lvl="1"/>
+            <a:r>
+              <a:rPr lang="hr-HR" dirty="0" smtClean="0"/>
+              <a:t>O(m</a:t>
+            </a:r>
+            <a:r>
+              <a:rPr lang="hr-HR" baseline="30000" dirty="0" smtClean="0"/>
+              <a:t>2</a:t>
+            </a:r>
+            <a:r>
+              <a:rPr lang="hr-HR" dirty="0" smtClean="0"/>
+              <a:t> + k</a:t>
+            </a:r>
+            <a:r>
+              <a:rPr lang="hr-HR" baseline="30000" dirty="0" smtClean="0"/>
+              <a:t>2</a:t>
+            </a:r>
+            <a:r>
+              <a:rPr lang="hr-HR" dirty="0" smtClean="0"/>
+              <a:t>)</a:t>
+            </a:r>
+          </a:p>
+        </p:txBody>
+      </p:sp>
     </p:spTree>
   </p:cSld>
   <p:clrMapOvr>
@@ -5659,7 +7268,7 @@
           <a:p>
             <a:r>
               <a:rPr lang="hr-HR" dirty="0" smtClean="0"/>
-              <a:t>Rezultati, vremenska složenost(3)</a:t>
+              <a:t>Rezultati, vremenska složenost(1)</a:t>
             </a:r>
             <a:endParaRPr lang="hr-HR" dirty="0"/>
           </a:p>
@@ -5680,13 +7289,13 @@
           <a:bodyPr/>
           <a:lstStyle/>
           <a:p>
-            <a:endParaRPr lang="hr-HR"/>
+            <a:endParaRPr lang="hr-HR" dirty="0"/>
           </a:p>
         </p:txBody>
       </p:sp>
       <p:pic>
         <p:nvPicPr>
-          <p:cNvPr id="5122" name="Picture 2" descr="KTime"/>
+          <p:cNvPr id="1026" name="Picture 2" descr="time"/>
           <p:cNvPicPr>
             <a:picLocks noChangeAspect="1" noChangeArrowheads="1"/>
           </p:cNvPicPr>
@@ -5765,7 +7374,7 @@
           <a:p>
             <a:r>
               <a:rPr lang="hr-HR" dirty="0" smtClean="0"/>
-              <a:t>Rezultati, vremenska složenost(4)</a:t>
+              <a:t>Rezultati, vremenska složenost(2)</a:t>
             </a:r>
             <a:endParaRPr lang="hr-HR" dirty="0"/>
           </a:p>
@@ -5792,7 +7401,7 @@
       </p:sp>
       <p:pic>
         <p:nvPicPr>
-          <p:cNvPr id="6146" name="Picture 2" descr="KTIMEScaled"/>
+          <p:cNvPr id="2050" name="Picture 2" descr="JavaAndC"/>
           <p:cNvPicPr>
             <a:picLocks noChangeAspect="1" noChangeArrowheads="1"/>
           </p:cNvPicPr>
@@ -5808,7 +7417,7 @@
         <p:spPr bwMode="auto">
           <a:xfrm>
             <a:off x="1524000" y="2057400"/>
-            <a:ext cx="5962650" cy="4495800"/>
+            <a:ext cx="5954964" cy="4495800"/>
           </a:xfrm>
           <a:prstGeom prst="rect">
             <a:avLst/>
@@ -5871,37 +7480,61 @@
           <a:p>
             <a:r>
               <a:rPr lang="hr-HR" dirty="0" smtClean="0"/>
-              <a:t>Rezultati, vremenska </a:t>
-            </a:r>
-            <a:r>
-              <a:rPr lang="hr-HR" dirty="0" smtClean="0"/>
-              <a:t>složenost(5)</a:t>
+              <a:t>Rezultati, vremenska složenost(3)</a:t>
             </a:r>
             <a:endParaRPr lang="hr-HR" dirty="0"/>
+          </a:p>
+        </p:txBody>
+      </p:sp>
+      <p:sp>
+        <p:nvSpPr>
+          <p:cNvPr id="3" name="Content Placeholder 2"/>
+          <p:cNvSpPr>
+            <a:spLocks noGrp="1"/>
+          </p:cNvSpPr>
+          <p:nvPr>
+            <p:ph idx="1"/>
+          </p:nvPr>
+        </p:nvSpPr>
+        <p:spPr/>
+        <p:txBody>
+          <a:bodyPr/>
+          <a:lstStyle/>
+          <a:p>
+            <a:endParaRPr lang="hr-HR"/>
           </a:p>
         </p:txBody>
       </p:sp>
       <p:pic>
         <p:nvPicPr>
-          <p:cNvPr id="6" name="Content Placeholder 5" descr="figure_1.png"/>
+          <p:cNvPr id="5122" name="Picture 2" descr="KTime"/>
           <p:cNvPicPr>
-            <a:picLocks noGrp="1" noChangeAspect="1"/>
+            <a:picLocks noChangeAspect="1" noChangeArrowheads="1"/>
           </p:cNvPicPr>
-          <p:nvPr>
-            <p:ph idx="1"/>
-          </p:nvPr>
+          <p:nvPr/>
         </p:nvPicPr>
         <p:blipFill>
           <a:blip r:embed="rId2"/>
+          <a:srcRect/>
           <a:stretch>
             <a:fillRect/>
           </a:stretch>
         </p:blipFill>
-        <p:spPr>
+        <p:spPr bwMode="auto">
           <a:xfrm>
             <a:off x="1524000" y="2057400"/>
-            <a:ext cx="5985198" cy="4516438"/>
+            <a:ext cx="5962650" cy="4495800"/>
           </a:xfrm>
+          <a:prstGeom prst="rect">
+            <a:avLst/>
+          </a:prstGeom>
+          <a:noFill/>
+          <a:ln w="9525">
+            <a:noFill/>
+            <a:miter lim="800000"/>
+            <a:headEnd/>
+            <a:tailEnd/>
+          </a:ln>
         </p:spPr>
       </p:pic>
     </p:spTree>

--- a/Landau Vishkin Nussinov.pptx
+++ b/Landau Vishkin Nussinov.pptx
@@ -5,25 +5,27 @@
     <p:sldMasterId id="2147483780" r:id="rId1"/>
   </p:sldMasterIdLst>
   <p:notesMasterIdLst>
-    <p:notesMasterId r:id="rId18"/>
+    <p:notesMasterId r:id="rId20"/>
   </p:notesMasterIdLst>
   <p:sldIdLst>
     <p:sldId id="256" r:id="rId2"/>
     <p:sldId id="273" r:id="rId3"/>
-    <p:sldId id="270" r:id="rId4"/>
+    <p:sldId id="274" r:id="rId4"/>
     <p:sldId id="271" r:id="rId5"/>
-    <p:sldId id="272" r:id="rId6"/>
-    <p:sldId id="267" r:id="rId7"/>
-    <p:sldId id="259" r:id="rId8"/>
-    <p:sldId id="260" r:id="rId9"/>
-    <p:sldId id="265" r:id="rId10"/>
-    <p:sldId id="266" r:id="rId11"/>
-    <p:sldId id="268" r:id="rId12"/>
-    <p:sldId id="262" r:id="rId13"/>
-    <p:sldId id="263" r:id="rId14"/>
-    <p:sldId id="264" r:id="rId15"/>
-    <p:sldId id="269" r:id="rId16"/>
-    <p:sldId id="261" r:id="rId17"/>
+    <p:sldId id="276" r:id="rId6"/>
+    <p:sldId id="272" r:id="rId7"/>
+    <p:sldId id="267" r:id="rId8"/>
+    <p:sldId id="259" r:id="rId9"/>
+    <p:sldId id="260" r:id="rId10"/>
+    <p:sldId id="265" r:id="rId11"/>
+    <p:sldId id="266" r:id="rId12"/>
+    <p:sldId id="268" r:id="rId13"/>
+    <p:sldId id="262" r:id="rId14"/>
+    <p:sldId id="263" r:id="rId15"/>
+    <p:sldId id="264" r:id="rId16"/>
+    <p:sldId id="269" r:id="rId17"/>
+    <p:sldId id="275" r:id="rId18"/>
+    <p:sldId id="261" r:id="rId19"/>
   </p:sldIdLst>
   <p:sldSz cx="9144000" cy="6858000" type="screen4x3"/>
   <p:notesSz cx="6858000" cy="9144000"/>
@@ -208,7 +210,7 @@
             <a:fld id="{4A78B518-B877-4390-951F-161C7900BE4D}" type="datetimeFigureOut">
               <a:rPr lang="sr-Latn-CS" smtClean="0"/>
               <a:pPr/>
-              <a:t>20.1.2015</a:t>
+              <a:t>21.1.2015</a:t>
             </a:fld>
             <a:endParaRPr lang="hr-HR"/>
           </a:p>
@@ -1138,7 +1140,7 @@
             <a:fld id="{1D8BD707-D9CF-40AE-B4C6-C98DA3205C09}" type="datetimeFigureOut">
               <a:rPr lang="en-US" smtClean="0"/>
               <a:pPr/>
-              <a:t>1/20/2015</a:t>
+              <a:t>1/21/2015</a:t>
             </a:fld>
             <a:endParaRPr lang="en-US"/>
           </a:p>
@@ -1323,7 +1325,7 @@
             <a:fld id="{1D8BD707-D9CF-40AE-B4C6-C98DA3205C09}" type="datetimeFigureOut">
               <a:rPr lang="en-US" smtClean="0"/>
               <a:pPr/>
-              <a:t>1/20/2015</a:t>
+              <a:t>1/21/2015</a:t>
             </a:fld>
             <a:endParaRPr lang="en-US"/>
           </a:p>
@@ -1500,7 +1502,7 @@
             <a:fld id="{1D8BD707-D9CF-40AE-B4C6-C98DA3205C09}" type="datetimeFigureOut">
               <a:rPr lang="en-US" smtClean="0"/>
               <a:pPr/>
-              <a:t>1/20/2015</a:t>
+              <a:t>1/21/2015</a:t>
             </a:fld>
             <a:endParaRPr lang="en-US"/>
           </a:p>
@@ -1667,7 +1669,7 @@
             <a:fld id="{1D8BD707-D9CF-40AE-B4C6-C98DA3205C09}" type="datetimeFigureOut">
               <a:rPr lang="en-US" smtClean="0"/>
               <a:pPr/>
-              <a:t>1/20/2015</a:t>
+              <a:t>1/21/2015</a:t>
             </a:fld>
             <a:endParaRPr lang="en-US"/>
           </a:p>
@@ -1890,7 +1892,7 @@
             <a:fld id="{1D8BD707-D9CF-40AE-B4C6-C98DA3205C09}" type="datetimeFigureOut">
               <a:rPr lang="en-US" smtClean="0"/>
               <a:pPr/>
-              <a:t>1/20/2015</a:t>
+              <a:t>1/21/2015</a:t>
             </a:fld>
             <a:endParaRPr lang="en-US"/>
           </a:p>
@@ -2151,7 +2153,7 @@
             <a:fld id="{1D8BD707-D9CF-40AE-B4C6-C98DA3205C09}" type="datetimeFigureOut">
               <a:rPr lang="en-US" smtClean="0"/>
               <a:pPr/>
-              <a:t>1/20/2015</a:t>
+              <a:t>1/21/2015</a:t>
             </a:fld>
             <a:endParaRPr lang="en-US"/>
           </a:p>
@@ -2557,7 +2559,7 @@
             <a:fld id="{1D8BD707-D9CF-40AE-B4C6-C98DA3205C09}" type="datetimeFigureOut">
               <a:rPr lang="en-US" smtClean="0"/>
               <a:pPr/>
-              <a:t>1/20/2015</a:t>
+              <a:t>1/21/2015</a:t>
             </a:fld>
             <a:endParaRPr lang="en-US"/>
           </a:p>
@@ -2690,7 +2692,7 @@
             <a:fld id="{1D8BD707-D9CF-40AE-B4C6-C98DA3205C09}" type="datetimeFigureOut">
               <a:rPr lang="en-US" smtClean="0"/>
               <a:pPr/>
-              <a:t>1/20/2015</a:t>
+              <a:t>1/21/2015</a:t>
             </a:fld>
             <a:endParaRPr lang="en-US"/>
           </a:p>
@@ -2792,7 +2794,7 @@
             <a:fld id="{1D8BD707-D9CF-40AE-B4C6-C98DA3205C09}" type="datetimeFigureOut">
               <a:rPr lang="en-US" smtClean="0"/>
               <a:pPr/>
-              <a:t>1/20/2015</a:t>
+              <a:t>1/21/2015</a:t>
             </a:fld>
             <a:endParaRPr lang="en-US"/>
           </a:p>
@@ -3039,7 +3041,7 @@
             <a:fld id="{1D8BD707-D9CF-40AE-B4C6-C98DA3205C09}" type="datetimeFigureOut">
               <a:rPr lang="en-US" smtClean="0"/>
               <a:pPr/>
-              <a:t>1/20/2015</a:t>
+              <a:t>1/21/2015</a:t>
             </a:fld>
             <a:endParaRPr lang="en-US"/>
           </a:p>
@@ -3285,7 +3287,7 @@
             <a:fld id="{1D8BD707-D9CF-40AE-B4C6-C98DA3205C09}" type="datetimeFigureOut">
               <a:rPr lang="en-US" smtClean="0"/>
               <a:pPr/>
-              <a:t>1/20/2015</a:t>
+              <a:t>1/21/2015</a:t>
             </a:fld>
             <a:endParaRPr lang="en-US"/>
           </a:p>
@@ -4111,7 +4113,7 @@
             <a:fld id="{1D8BD707-D9CF-40AE-B4C6-C98DA3205C09}" type="datetimeFigureOut">
               <a:rPr lang="en-US" smtClean="0"/>
               <a:pPr/>
-              <a:t>1/20/2015</a:t>
+              <a:t>1/21/2015</a:t>
             </a:fld>
             <a:endParaRPr lang="en-US"/>
           </a:p>
@@ -4627,7 +4629,7 @@
           <a:p>
             <a:r>
               <a:rPr lang="hr-HR" dirty="0" smtClean="0"/>
-              <a:t>Rezultati, vremenska složenost(4)</a:t>
+              <a:t>Rezultati, vremenska složenost(3)</a:t>
             </a:r>
             <a:endParaRPr lang="hr-HR" dirty="0"/>
           </a:p>
@@ -4654,7 +4656,7 @@
       </p:sp>
       <p:pic>
         <p:nvPicPr>
-          <p:cNvPr id="6146" name="Picture 2" descr="KTIMEScaled"/>
+          <p:cNvPr id="5122" name="Picture 2" descr="KTime"/>
           <p:cNvPicPr>
             <a:picLocks noChangeAspect="1" noChangeArrowheads="1"/>
           </p:cNvPicPr>
@@ -4733,6 +4735,112 @@
           <a:p>
             <a:r>
               <a:rPr lang="hr-HR" dirty="0" smtClean="0"/>
+              <a:t>Rezultati, vremenska složenost(4)</a:t>
+            </a:r>
+            <a:endParaRPr lang="hr-HR" dirty="0"/>
+          </a:p>
+        </p:txBody>
+      </p:sp>
+      <p:sp>
+        <p:nvSpPr>
+          <p:cNvPr id="3" name="Content Placeholder 2"/>
+          <p:cNvSpPr>
+            <a:spLocks noGrp="1"/>
+          </p:cNvSpPr>
+          <p:nvPr>
+            <p:ph idx="1"/>
+          </p:nvPr>
+        </p:nvSpPr>
+        <p:spPr/>
+        <p:txBody>
+          <a:bodyPr/>
+          <a:lstStyle/>
+          <a:p>
+            <a:endParaRPr lang="hr-HR"/>
+          </a:p>
+        </p:txBody>
+      </p:sp>
+      <p:pic>
+        <p:nvPicPr>
+          <p:cNvPr id="6146" name="Picture 2" descr="KTIMEScaled"/>
+          <p:cNvPicPr>
+            <a:picLocks noChangeAspect="1" noChangeArrowheads="1"/>
+          </p:cNvPicPr>
+          <p:nvPr/>
+        </p:nvPicPr>
+        <p:blipFill>
+          <a:blip r:embed="rId2"/>
+          <a:srcRect/>
+          <a:stretch>
+            <a:fillRect/>
+          </a:stretch>
+        </p:blipFill>
+        <p:spPr bwMode="auto">
+          <a:xfrm>
+            <a:off x="1524000" y="2057400"/>
+            <a:ext cx="5962650" cy="4495800"/>
+          </a:xfrm>
+          <a:prstGeom prst="rect">
+            <a:avLst/>
+          </a:prstGeom>
+          <a:noFill/>
+          <a:ln w="9525">
+            <a:noFill/>
+            <a:miter lim="800000"/>
+            <a:headEnd/>
+            <a:tailEnd/>
+          </a:ln>
+        </p:spPr>
+      </p:pic>
+    </p:spTree>
+  </p:cSld>
+  <p:clrMapOvr>
+    <a:masterClrMapping/>
+  </p:clrMapOvr>
+  <p:timing>
+    <p:tnLst>
+      <p:par>
+        <p:cTn id="1" dur="indefinite" restart="never" nodeType="tmRoot"/>
+      </p:par>
+    </p:tnLst>
+  </p:timing>
+</p:sld>
+</file>
+
+<file path=ppt/slides/slide12.xml><?xml version="1.0" encoding="utf-8"?>
+<p:sld xmlns:a="http://schemas.openxmlformats.org/drawingml/2006/main" xmlns:r="http://schemas.openxmlformats.org/officeDocument/2006/relationships" xmlns:p="http://schemas.openxmlformats.org/presentationml/2006/main">
+  <p:cSld>
+    <p:spTree>
+      <p:nvGrpSpPr>
+        <p:cNvPr id="1" name=""/>
+        <p:cNvGrpSpPr/>
+        <p:nvPr/>
+      </p:nvGrpSpPr>
+      <p:grpSpPr>
+        <a:xfrm>
+          <a:off x="0" y="0"/>
+          <a:ext cx="0" cy="0"/>
+          <a:chOff x="0" y="0"/>
+          <a:chExt cx="0" cy="0"/>
+        </a:xfrm>
+      </p:grpSpPr>
+      <p:sp>
+        <p:nvSpPr>
+          <p:cNvPr id="2" name="Title 1"/>
+          <p:cNvSpPr>
+            <a:spLocks noGrp="1"/>
+          </p:cNvSpPr>
+          <p:nvPr>
+            <p:ph type="title"/>
+          </p:nvPr>
+        </p:nvSpPr>
+        <p:spPr/>
+        <p:txBody>
+          <a:bodyPr/>
+          <a:lstStyle/>
+          <a:p>
+            <a:r>
+              <a:rPr lang="hr-HR" dirty="0" smtClean="0"/>
               <a:t>Rezultati, vremenska složenost(5)</a:t>
             </a:r>
             <a:endParaRPr lang="hr-HR" dirty="0"/>
@@ -4777,7 +4885,7 @@
 </p:sld>
 </file>
 
-<file path=ppt/slides/slide12.xml><?xml version="1.0" encoding="utf-8"?>
+<file path=ppt/slides/slide13.xml><?xml version="1.0" encoding="utf-8"?>
 <p:sld xmlns:a="http://schemas.openxmlformats.org/drawingml/2006/main" xmlns:r="http://schemas.openxmlformats.org/officeDocument/2006/relationships" xmlns:p="http://schemas.openxmlformats.org/presentationml/2006/main">
   <p:cSld>
     <p:spTree>
@@ -4883,7 +4991,7 @@
 </p:sld>
 </file>
 
-<file path=ppt/slides/slide13.xml><?xml version="1.0" encoding="utf-8"?>
+<file path=ppt/slides/slide14.xml><?xml version="1.0" encoding="utf-8"?>
 <p:sld xmlns:a="http://schemas.openxmlformats.org/drawingml/2006/main" xmlns:r="http://schemas.openxmlformats.org/officeDocument/2006/relationships" xmlns:p="http://schemas.openxmlformats.org/presentationml/2006/main">
   <p:cSld>
     <p:spTree>
@@ -4989,7 +5097,7 @@
 </p:sld>
 </file>
 
-<file path=ppt/slides/slide14.xml><?xml version="1.0" encoding="utf-8"?>
+<file path=ppt/slides/slide15.xml><?xml version="1.0" encoding="utf-8"?>
 <p:sld xmlns:a="http://schemas.openxmlformats.org/drawingml/2006/main" xmlns:r="http://schemas.openxmlformats.org/officeDocument/2006/relationships" xmlns:p="http://schemas.openxmlformats.org/presentationml/2006/main">
   <p:cSld>
     <p:spTree>
@@ -5089,7 +5197,7 @@
 </p:sld>
 </file>
 
-<file path=ppt/slides/slide15.xml><?xml version="1.0" encoding="utf-8"?>
+<file path=ppt/slides/slide16.xml><?xml version="1.0" encoding="utf-8"?>
 <p:sld xmlns:a="http://schemas.openxmlformats.org/drawingml/2006/main" xmlns:r="http://schemas.openxmlformats.org/officeDocument/2006/relationships" xmlns:p="http://schemas.openxmlformats.org/presentationml/2006/main">
   <p:cSld>
     <p:spTree>
@@ -5167,7 +5275,111 @@
 </p:sld>
 </file>
 
-<file path=ppt/slides/slide16.xml><?xml version="1.0" encoding="utf-8"?>
+<file path=ppt/slides/slide17.xml><?xml version="1.0" encoding="utf-8"?>
+<p:sld xmlns:a="http://schemas.openxmlformats.org/drawingml/2006/main" xmlns:r="http://schemas.openxmlformats.org/officeDocument/2006/relationships" xmlns:p="http://schemas.openxmlformats.org/presentationml/2006/main">
+  <p:cSld>
+    <p:spTree>
+      <p:nvGrpSpPr>
+        <p:cNvPr id="1" name=""/>
+        <p:cNvGrpSpPr/>
+        <p:nvPr/>
+      </p:nvGrpSpPr>
+      <p:grpSpPr>
+        <a:xfrm>
+          <a:off x="0" y="0"/>
+          <a:ext cx="0" cy="0"/>
+          <a:chOff x="0" y="0"/>
+          <a:chExt cx="0" cy="0"/>
+        </a:xfrm>
+      </p:grpSpPr>
+      <p:sp>
+        <p:nvSpPr>
+          <p:cNvPr id="2" name="Title 1"/>
+          <p:cNvSpPr>
+            <a:spLocks noGrp="1"/>
+          </p:cNvSpPr>
+          <p:nvPr>
+            <p:ph type="title"/>
+          </p:nvPr>
+        </p:nvSpPr>
+        <p:spPr/>
+        <p:txBody>
+          <a:bodyPr/>
+          <a:lstStyle/>
+          <a:p>
+            <a:pPr algn="ctr"/>
+            <a:r>
+              <a:rPr lang="hr-HR" dirty="0" smtClean="0"/>
+              <a:t>Usporedba</a:t>
+            </a:r>
+            <a:endParaRPr lang="hr-HR" dirty="0"/>
+          </a:p>
+        </p:txBody>
+      </p:sp>
+      <p:pic>
+        <p:nvPicPr>
+          <p:cNvPr id="4" name="Picture 2" descr="C:\Users\Gossamer\Desktop\tmp.png"/>
+          <p:cNvPicPr>
+            <a:picLocks noGrp="1" noChangeAspect="1" noChangeArrowheads="1"/>
+          </p:cNvPicPr>
+          <p:nvPr>
+            <p:ph idx="1"/>
+          </p:nvPr>
+        </p:nvPicPr>
+        <p:blipFill>
+          <a:blip r:embed="rId2">
+            <a:extLst>
+              <a:ext uri="{28A0092B-C50C-407E-A947-70E740481C1C}">
+                <a14:useLocalDpi xmlns:a14="http://schemas.microsoft.com/office/drawing/2010/main" val="0"/>
+              </a:ext>
+            </a:extLst>
+          </a:blip>
+          <a:srcRect/>
+          <a:stretch>
+            <a:fillRect/>
+          </a:stretch>
+        </p:blipFill>
+        <p:spPr bwMode="auto">
+          <a:xfrm>
+            <a:off x="1706678" y="2249488"/>
+            <a:ext cx="5730643" cy="4324350"/>
+          </a:xfrm>
+          <a:prstGeom prst="rect">
+            <a:avLst/>
+          </a:prstGeom>
+          <a:noFill/>
+          <a:extLst>
+            <a:ext uri="{909E8E84-426E-40DD-AFC4-6F175D3DCCD1}">
+              <a14:hiddenFill xmlns:a14="http://schemas.microsoft.com/office/drawing/2010/main">
+                <a:solidFill>
+                  <a:srgbClr val="FFFFFF"/>
+                </a:solidFill>
+              </a14:hiddenFill>
+            </a:ext>
+          </a:extLst>
+        </p:spPr>
+      </p:pic>
+    </p:spTree>
+    <p:extLst>
+      <p:ext uri="{BB962C8B-B14F-4D97-AF65-F5344CB8AC3E}">
+        <p14:creationId xmlns:p14="http://schemas.microsoft.com/office/powerpoint/2010/main" val="2230087083"/>
+      </p:ext>
+    </p:extLst>
+  </p:cSld>
+  <p:clrMapOvr>
+    <a:masterClrMapping/>
+  </p:clrMapOvr>
+  <p:timing>
+    <p:tnLst>
+      <p:par>
+        <p:cTn id="1" dur="indefinite" restart="never" nodeType="tmRoot"/>
+      </p:par>
+    </p:tnLst>
+  </p:timing>
+</p:sld>
+</file>
+
+<file path=ppt/slides/slide18.xml><?xml version="1.0" encoding="utf-8"?>
 <p:sld xmlns:a="http://schemas.openxmlformats.org/drawingml/2006/main" xmlns:r="http://schemas.openxmlformats.org/officeDocument/2006/relationships" xmlns:p="http://schemas.openxmlformats.org/presentationml/2006/main">
   <p:cSld>
     <p:spTree>
@@ -5421,6 +5633,505 @@
           <a:p>
             <a:pPr algn="ctr"/>
             <a:r>
+              <a:rPr lang="hr-HR" smtClean="0"/>
+              <a:t>Uvod</a:t>
+            </a:r>
+            <a:endParaRPr lang="hr-HR"/>
+          </a:p>
+        </p:txBody>
+      </p:sp>
+      <p:pic>
+        <p:nvPicPr>
+          <p:cNvPr id="1027" name="Picture 3" descr="C:\Users\Gossamer\Desktop\full.png"/>
+          <p:cNvPicPr>
+            <a:picLocks noGrp="1" noChangeAspect="1" noChangeArrowheads="1"/>
+          </p:cNvPicPr>
+          <p:nvPr>
+            <p:ph idx="1"/>
+          </p:nvPr>
+        </p:nvPicPr>
+        <p:blipFill>
+          <a:blip r:embed="rId2">
+            <a:extLst>
+              <a:ext uri="{28A0092B-C50C-407E-A947-70E740481C1C}">
+                <a14:useLocalDpi xmlns:a14="http://schemas.microsoft.com/office/drawing/2010/main" val="0"/>
+              </a:ext>
+            </a:extLst>
+          </a:blip>
+          <a:srcRect/>
+          <a:stretch>
+            <a:fillRect/>
+          </a:stretch>
+        </p:blipFill>
+        <p:spPr bwMode="auto">
+          <a:xfrm>
+            <a:off x="457200" y="2057400"/>
+            <a:ext cx="3632661" cy="2722835"/>
+          </a:xfrm>
+          <a:prstGeom prst="rect">
+            <a:avLst/>
+          </a:prstGeom>
+          <a:noFill/>
+          <a:extLst>
+            <a:ext uri="{909E8E84-426E-40DD-AFC4-6F175D3DCCD1}">
+              <a14:hiddenFill xmlns:a14="http://schemas.microsoft.com/office/drawing/2010/main">
+                <a:solidFill>
+                  <a:srgbClr val="FFFFFF"/>
+                </a:solidFill>
+              </a14:hiddenFill>
+            </a:ext>
+          </a:extLst>
+        </p:spPr>
+      </p:pic>
+      <p:pic>
+        <p:nvPicPr>
+          <p:cNvPr id="1028" name="Picture 4" descr="C:\Users\Gossamer\Desktop\diag.png"/>
+          <p:cNvPicPr>
+            <a:picLocks noChangeAspect="1" noChangeArrowheads="1"/>
+          </p:cNvPicPr>
+          <p:nvPr/>
+        </p:nvPicPr>
+        <p:blipFill>
+          <a:blip r:embed="rId3">
+            <a:extLst>
+              <a:ext uri="{28A0092B-C50C-407E-A947-70E740481C1C}">
+                <a14:useLocalDpi xmlns:a14="http://schemas.microsoft.com/office/drawing/2010/main" val="0"/>
+              </a:ext>
+            </a:extLst>
+          </a:blip>
+          <a:srcRect/>
+          <a:stretch>
+            <a:fillRect/>
+          </a:stretch>
+        </p:blipFill>
+        <p:spPr bwMode="auto">
+          <a:xfrm>
+            <a:off x="4419600" y="3505200"/>
+            <a:ext cx="3937108" cy="2938462"/>
+          </a:xfrm>
+          <a:prstGeom prst="rect">
+            <a:avLst/>
+          </a:prstGeom>
+          <a:noFill/>
+          <a:extLst>
+            <a:ext uri="{909E8E84-426E-40DD-AFC4-6F175D3DCCD1}">
+              <a14:hiddenFill xmlns:a14="http://schemas.microsoft.com/office/drawing/2010/main">
+                <a:solidFill>
+                  <a:srgbClr val="FFFFFF"/>
+                </a:solidFill>
+              </a14:hiddenFill>
+            </a:ext>
+          </a:extLst>
+        </p:spPr>
+      </p:pic>
+    </p:spTree>
+    <p:extLst>
+      <p:ext uri="{BB962C8B-B14F-4D97-AF65-F5344CB8AC3E}">
+        <p14:creationId xmlns:p14="http://schemas.microsoft.com/office/powerpoint/2010/main" val="4186579819"/>
+      </p:ext>
+    </p:extLst>
+  </p:cSld>
+  <p:clrMapOvr>
+    <a:masterClrMapping/>
+  </p:clrMapOvr>
+  <p:timing>
+    <p:tnLst>
+      <p:par>
+        <p:cTn id="1" dur="indefinite" restart="never" nodeType="tmRoot"/>
+      </p:par>
+    </p:tnLst>
+  </p:timing>
+</p:sld>
+</file>
+
+<file path=ppt/slides/slide4.xml><?xml version="1.0" encoding="utf-8"?>
+<p:sld xmlns:a="http://schemas.openxmlformats.org/drawingml/2006/main" xmlns:r="http://schemas.openxmlformats.org/officeDocument/2006/relationships" xmlns:p="http://schemas.openxmlformats.org/presentationml/2006/main">
+  <p:cSld>
+    <p:spTree>
+      <p:nvGrpSpPr>
+        <p:cNvPr id="1" name=""/>
+        <p:cNvGrpSpPr/>
+        <p:nvPr/>
+      </p:nvGrpSpPr>
+      <p:grpSpPr>
+        <a:xfrm>
+          <a:off x="0" y="0"/>
+          <a:ext cx="0" cy="0"/>
+          <a:chOff x="0" y="0"/>
+          <a:chExt cx="0" cy="0"/>
+        </a:xfrm>
+      </p:grpSpPr>
+      <p:sp>
+        <p:nvSpPr>
+          <p:cNvPr id="2" name="Title 1"/>
+          <p:cNvSpPr>
+            <a:spLocks noGrp="1"/>
+          </p:cNvSpPr>
+          <p:nvPr>
+            <p:ph type="title"/>
+          </p:nvPr>
+        </p:nvSpPr>
+        <p:spPr/>
+        <p:txBody>
+          <a:bodyPr/>
+          <a:lstStyle/>
+          <a:p>
+            <a:pPr algn="ctr"/>
+            <a:r>
+              <a:rPr lang="hr-HR" dirty="0" smtClean="0"/>
+              <a:t>Ideja</a:t>
+            </a:r>
+            <a:endParaRPr lang="hr-HR" dirty="0"/>
+          </a:p>
+        </p:txBody>
+      </p:sp>
+      <mc:AlternateContent xmlns:mc="http://schemas.openxmlformats.org/markup-compatibility/2006" xmlns:a14="http://schemas.microsoft.com/office/drawing/2010/main">
+        <mc:Choice Requires="a14">
+          <p:sp>
+            <p:nvSpPr>
+              <p:cNvPr id="3" name="Content Placeholder 2"/>
+              <p:cNvSpPr>
+                <a:spLocks noGrp="1"/>
+              </p:cNvSpPr>
+              <p:nvPr>
+                <p:ph idx="1"/>
+              </p:nvPr>
+            </p:nvSpPr>
+            <p:spPr/>
+            <p:txBody>
+              <a:bodyPr/>
+              <a:lstStyle/>
+              <a:p>
+                <a14:m>
+                  <m:oMath xmlns:m="http://schemas.openxmlformats.org/officeDocument/2006/math">
+                    <m:sSub>
+                      <m:sSubPr>
+                        <m:ctrlPr>
+                          <a:rPr lang="hr-HR" b="0" i="1" smtClean="0">
+                            <a:latin typeface="Cambria Math"/>
+                          </a:rPr>
+                        </m:ctrlPr>
+                      </m:sSubPr>
+                      <m:e>
+                        <m:r>
+                          <a:rPr lang="hr-HR" b="0" i="1" smtClean="0">
+                            <a:latin typeface="Cambria Math"/>
+                          </a:rPr>
+                          <m:t>𝐿</m:t>
+                        </m:r>
+                      </m:e>
+                      <m:sub>
+                        <m:r>
+                          <a:rPr lang="hr-HR" b="0" i="1" smtClean="0">
+                            <a:latin typeface="Cambria Math"/>
+                          </a:rPr>
+                          <m:t>𝑑</m:t>
+                        </m:r>
+                        <m:r>
+                          <a:rPr lang="hr-HR" b="0" i="1" smtClean="0">
+                            <a:latin typeface="Cambria Math"/>
+                          </a:rPr>
+                          <m:t>, </m:t>
+                        </m:r>
+                        <m:r>
+                          <a:rPr lang="hr-HR" b="0" i="1" smtClean="0">
+                            <a:latin typeface="Cambria Math"/>
+                          </a:rPr>
+                          <m:t>𝑒</m:t>
+                        </m:r>
+                      </m:sub>
+                    </m:sSub>
+                  </m:oMath>
+                </a14:m>
+                <a:r>
+                  <a:rPr lang="hr-HR" dirty="0" smtClean="0"/>
+                  <a:t> - redak do kojeg se može doći po dijagonali </a:t>
+                </a:r>
+                <a:r>
+                  <a:rPr lang="hr-HR" i="1" dirty="0" smtClean="0"/>
+                  <a:t>d</a:t>
+                </a:r>
+                <a:r>
+                  <a:rPr lang="hr-HR" dirty="0" smtClean="0"/>
+                  <a:t> uz maksimalno </a:t>
+                </a:r>
+                <a:r>
+                  <a:rPr lang="hr-HR" i="1" dirty="0" smtClean="0"/>
+                  <a:t>e</a:t>
+                </a:r>
+                <a:r>
+                  <a:rPr lang="hr-HR" dirty="0" smtClean="0"/>
+                  <a:t> razlika</a:t>
+                </a:r>
+              </a:p>
+              <a:p>
+                <a:pPr lvl="1"/>
+                <a:r>
+                  <a:rPr lang="hr-HR" dirty="0" smtClean="0">
+                    <a:solidFill>
+                      <a:schemeClr val="tx1"/>
+                    </a:solidFill>
+                  </a:rPr>
+                  <a:t>dodatna kompresija prostora</a:t>
+                </a:r>
+              </a:p>
+              <a:p>
+                <a:pPr lvl="1"/>
+                <a14:m>
+                  <m:oMath xmlns:m="http://schemas.openxmlformats.org/officeDocument/2006/math">
+                    <m:r>
+                      <a:rPr lang="hr-HR" b="0" i="1" smtClean="0">
+                        <a:solidFill>
+                          <a:schemeClr val="tx1"/>
+                        </a:solidFill>
+                        <a:latin typeface="Cambria Math"/>
+                      </a:rPr>
+                      <m:t>𝑑</m:t>
+                    </m:r>
+                    <m:r>
+                      <a:rPr lang="hr-HR" b="0" i="1" smtClean="0">
+                        <a:solidFill>
+                          <a:schemeClr val="tx1"/>
+                        </a:solidFill>
+                        <a:latin typeface="Cambria Math"/>
+                      </a:rPr>
+                      <m:t>∈</m:t>
+                    </m:r>
+                    <m:d>
+                      <m:dPr>
+                        <m:begChr m:val="{"/>
+                        <m:endChr m:val="}"/>
+                        <m:ctrlPr>
+                          <a:rPr lang="hr-HR" b="0" i="1" smtClean="0">
+                            <a:solidFill>
+                              <a:schemeClr val="tx1"/>
+                            </a:solidFill>
+                            <a:latin typeface="Cambria Math"/>
+                          </a:rPr>
+                        </m:ctrlPr>
+                      </m:dPr>
+                      <m:e>
+                        <m:r>
+                          <a:rPr lang="hr-HR" b="0" i="1" smtClean="0">
+                            <a:solidFill>
+                              <a:schemeClr val="tx1"/>
+                            </a:solidFill>
+                            <a:latin typeface="Cambria Math"/>
+                          </a:rPr>
+                          <m:t>−</m:t>
+                        </m:r>
+                        <m:r>
+                          <a:rPr lang="hr-HR" b="0" i="1" smtClean="0">
+                            <a:solidFill>
+                              <a:schemeClr val="tx1"/>
+                            </a:solidFill>
+                            <a:latin typeface="Cambria Math"/>
+                          </a:rPr>
+                          <m:t>𝑘</m:t>
+                        </m:r>
+                        <m:r>
+                          <a:rPr lang="hr-HR" b="0" i="1" smtClean="0">
+                            <a:solidFill>
+                              <a:schemeClr val="tx1"/>
+                            </a:solidFill>
+                            <a:latin typeface="Cambria Math"/>
+                          </a:rPr>
+                          <m:t>, −</m:t>
+                        </m:r>
+                        <m:r>
+                          <a:rPr lang="hr-HR" b="0" i="1" smtClean="0">
+                            <a:solidFill>
+                              <a:schemeClr val="tx1"/>
+                            </a:solidFill>
+                            <a:latin typeface="Cambria Math"/>
+                          </a:rPr>
+                          <m:t>𝑘</m:t>
+                        </m:r>
+                        <m:r>
+                          <a:rPr lang="hr-HR" b="0" i="1" smtClean="0">
+                            <a:solidFill>
+                              <a:schemeClr val="tx1"/>
+                            </a:solidFill>
+                            <a:latin typeface="Cambria Math"/>
+                          </a:rPr>
+                          <m:t>+1,…,0, …, </m:t>
+                        </m:r>
+                        <m:r>
+                          <a:rPr lang="hr-HR" b="0" i="1" smtClean="0">
+                            <a:solidFill>
+                              <a:schemeClr val="tx1"/>
+                            </a:solidFill>
+                            <a:latin typeface="Cambria Math"/>
+                          </a:rPr>
+                          <m:t>𝑘</m:t>
+                        </m:r>
+                        <m:r>
+                          <a:rPr lang="hr-HR" b="0" i="1" smtClean="0">
+                            <a:solidFill>
+                              <a:schemeClr val="tx1"/>
+                            </a:solidFill>
+                            <a:latin typeface="Cambria Math"/>
+                          </a:rPr>
+                          <m:t> −1, </m:t>
+                        </m:r>
+                        <m:r>
+                          <a:rPr lang="hr-HR" b="0" i="1" smtClean="0">
+                            <a:solidFill>
+                              <a:schemeClr val="tx1"/>
+                            </a:solidFill>
+                            <a:latin typeface="Cambria Math"/>
+                          </a:rPr>
+                          <m:t>𝑘</m:t>
+                        </m:r>
+                      </m:e>
+                    </m:d>
+                  </m:oMath>
+                </a14:m>
+                <a:endParaRPr lang="hr-HR" b="0" dirty="0" smtClean="0">
+                  <a:solidFill>
+                    <a:schemeClr val="tx1"/>
+                  </a:solidFill>
+                </a:endParaRPr>
+              </a:p>
+              <a:p>
+                <a:pPr lvl="1"/>
+                <a14:m>
+                  <m:oMath xmlns:m="http://schemas.openxmlformats.org/officeDocument/2006/math">
+                    <m:r>
+                      <a:rPr lang="hr-HR" b="0" i="1" smtClean="0">
+                        <a:solidFill>
+                          <a:schemeClr val="tx1"/>
+                        </a:solidFill>
+                        <a:latin typeface="Cambria Math"/>
+                      </a:rPr>
+                      <m:t>𝑒</m:t>
+                    </m:r>
+                    <m:r>
+                      <a:rPr lang="hr-HR" b="0" i="1" smtClean="0">
+                        <a:solidFill>
+                          <a:schemeClr val="tx1"/>
+                        </a:solidFill>
+                        <a:latin typeface="Cambria Math"/>
+                      </a:rPr>
+                      <m:t>∈{0, .., </m:t>
+                    </m:r>
+                    <m:r>
+                      <a:rPr lang="hr-HR" b="0" i="1" smtClean="0">
+                        <a:solidFill>
+                          <a:schemeClr val="tx1"/>
+                        </a:solidFill>
+                        <a:latin typeface="Cambria Math"/>
+                      </a:rPr>
+                      <m:t>𝑘</m:t>
+                    </m:r>
+                    <m:r>
+                      <a:rPr lang="hr-HR" b="0" i="1" smtClean="0">
+                        <a:solidFill>
+                          <a:schemeClr val="tx1"/>
+                        </a:solidFill>
+                        <a:latin typeface="Cambria Math"/>
+                      </a:rPr>
+                      <m:t>}</m:t>
+                    </m:r>
+                  </m:oMath>
+                </a14:m>
+                <a:endParaRPr lang="hr-HR" dirty="0" smtClean="0">
+                  <a:solidFill>
+                    <a:schemeClr val="tx1"/>
+                  </a:solidFill>
+                </a:endParaRPr>
+              </a:p>
+            </p:txBody>
+          </p:sp>
+        </mc:Choice>
+        <mc:Fallback xmlns="">
+          <p:sp>
+            <p:nvSpPr>
+              <p:cNvPr id="3" name="Content Placeholder 2"/>
+              <p:cNvSpPr>
+                <a:spLocks noGrp="1" noRot="1" noChangeAspect="1" noMove="1" noResize="1" noEditPoints="1" noAdjustHandles="1" noChangeArrowheads="1" noChangeShapeType="1" noTextEdit="1"/>
+              </p:cNvSpPr>
+              <p:nvPr>
+                <p:ph idx="1"/>
+              </p:nvPr>
+            </p:nvSpPr>
+            <p:spPr>
+              <a:blipFill rotWithShape="1">
+                <a:blip r:embed="rId2"/>
+                <a:stretch>
+                  <a:fillRect t="-1408"/>
+                </a:stretch>
+              </a:blipFill>
+            </p:spPr>
+            <p:txBody>
+              <a:bodyPr/>
+              <a:lstStyle/>
+              <a:p>
+                <a:r>
+                  <a:rPr lang="hr-HR">
+                    <a:noFill/>
+                  </a:rPr>
+                  <a:t> </a:t>
+                </a:r>
+              </a:p>
+            </p:txBody>
+          </p:sp>
+        </mc:Fallback>
+      </mc:AlternateContent>
+    </p:spTree>
+    <p:extLst>
+      <p:ext uri="{BB962C8B-B14F-4D97-AF65-F5344CB8AC3E}">
+        <p14:creationId xmlns:p14="http://schemas.microsoft.com/office/powerpoint/2010/main" val="2541865036"/>
+      </p:ext>
+    </p:extLst>
+  </p:cSld>
+  <p:clrMapOvr>
+    <a:masterClrMapping/>
+  </p:clrMapOvr>
+  <p:timing>
+    <p:tnLst>
+      <p:par>
+        <p:cTn id="1" dur="indefinite" restart="never" nodeType="tmRoot"/>
+      </p:par>
+    </p:tnLst>
+  </p:timing>
+</p:sld>
+</file>
+
+<file path=ppt/slides/slide5.xml><?xml version="1.0" encoding="utf-8"?>
+<p:sld xmlns:a="http://schemas.openxmlformats.org/drawingml/2006/main" xmlns:r="http://schemas.openxmlformats.org/officeDocument/2006/relationships" xmlns:p="http://schemas.openxmlformats.org/presentationml/2006/main">
+  <p:cSld>
+    <p:spTree>
+      <p:nvGrpSpPr>
+        <p:cNvPr id="1" name=""/>
+        <p:cNvGrpSpPr/>
+        <p:nvPr/>
+      </p:nvGrpSpPr>
+      <p:grpSpPr>
+        <a:xfrm>
+          <a:off x="0" y="0"/>
+          <a:ext cx="0" cy="0"/>
+          <a:chOff x="0" y="0"/>
+          <a:chExt cx="0" cy="0"/>
+        </a:xfrm>
+      </p:grpSpPr>
+      <p:sp>
+        <p:nvSpPr>
+          <p:cNvPr id="2" name="Title 1"/>
+          <p:cNvSpPr>
+            <a:spLocks noGrp="1"/>
+          </p:cNvSpPr>
+          <p:nvPr>
+            <p:ph type="title"/>
+          </p:nvPr>
+        </p:nvSpPr>
+        <p:spPr/>
+        <p:txBody>
+          <a:bodyPr/>
+          <a:lstStyle/>
+          <a:p>
+            <a:pPr algn="ctr"/>
+            <a:r>
               <a:rPr lang="hr-HR" dirty="0" smtClean="0"/>
               <a:t>Ideja</a:t>
             </a:r>
@@ -5472,7 +6183,7 @@
           <p:nvPr>
             <p:extLst>
               <p:ext uri="{D42A27DB-BD31-4B8C-83A1-F6EECF244321}">
-                <p14:modId xmlns:p14="http://schemas.microsoft.com/office/powerpoint/2010/main" val="3557948602"/>
+                <p14:modId xmlns:p14="http://schemas.microsoft.com/office/powerpoint/2010/main" val="2225581906"/>
               </p:ext>
             </p:extLst>
           </p:nvPr>
@@ -6561,525 +7272,7 @@
     </p:spTree>
     <p:extLst>
       <p:ext uri="{BB962C8B-B14F-4D97-AF65-F5344CB8AC3E}">
-        <p14:creationId xmlns:p14="http://schemas.microsoft.com/office/powerpoint/2010/main" val="2866103718"/>
-      </p:ext>
-    </p:extLst>
-  </p:cSld>
-  <p:clrMapOvr>
-    <a:masterClrMapping/>
-  </p:clrMapOvr>
-  <p:timing>
-    <p:tnLst>
-      <p:par>
-        <p:cTn id="1" dur="indefinite" restart="never" nodeType="tmRoot"/>
-      </p:par>
-    </p:tnLst>
-  </p:timing>
-</p:sld>
-</file>
-
-<file path=ppt/slides/slide4.xml><?xml version="1.0" encoding="utf-8"?>
-<p:sld xmlns:a="http://schemas.openxmlformats.org/drawingml/2006/main" xmlns:r="http://schemas.openxmlformats.org/officeDocument/2006/relationships" xmlns:p="http://schemas.openxmlformats.org/presentationml/2006/main">
-  <p:cSld>
-    <p:spTree>
-      <p:nvGrpSpPr>
-        <p:cNvPr id="1" name=""/>
-        <p:cNvGrpSpPr/>
-        <p:nvPr/>
-      </p:nvGrpSpPr>
-      <p:grpSpPr>
-        <a:xfrm>
-          <a:off x="0" y="0"/>
-          <a:ext cx="0" cy="0"/>
-          <a:chOff x="0" y="0"/>
-          <a:chExt cx="0" cy="0"/>
-        </a:xfrm>
-      </p:grpSpPr>
-      <p:sp>
-        <p:nvSpPr>
-          <p:cNvPr id="2" name="Title 1"/>
-          <p:cNvSpPr>
-            <a:spLocks noGrp="1"/>
-          </p:cNvSpPr>
-          <p:nvPr>
-            <p:ph type="title"/>
-          </p:nvPr>
-        </p:nvSpPr>
-        <p:spPr/>
-        <p:txBody>
-          <a:bodyPr/>
-          <a:lstStyle/>
-          <a:p>
-            <a:pPr algn="ctr"/>
-            <a:r>
-              <a:rPr lang="hr-HR" dirty="0" smtClean="0"/>
-              <a:t>Ideja</a:t>
-            </a:r>
-            <a:endParaRPr lang="hr-HR" dirty="0"/>
-          </a:p>
-        </p:txBody>
-      </p:sp>
-      <mc:AlternateContent xmlns:mc="http://schemas.openxmlformats.org/markup-compatibility/2006">
-        <mc:Choice xmlns:a14="http://schemas.microsoft.com/office/drawing/2010/main" Requires="a14">
-          <p:sp>
-            <p:nvSpPr>
-              <p:cNvPr id="3" name="Content Placeholder 2"/>
-              <p:cNvSpPr>
-                <a:spLocks noGrp="1"/>
-              </p:cNvSpPr>
-              <p:nvPr>
-                <p:ph idx="1"/>
-              </p:nvPr>
-            </p:nvSpPr>
-            <p:spPr/>
-            <p:txBody>
-              <a:bodyPr/>
-              <a:lstStyle/>
-              <a:p>
-                <a14:m>
-                  <m:oMath xmlns:m="http://schemas.openxmlformats.org/officeDocument/2006/math">
-                    <m:sSub>
-                      <m:sSubPr>
-                        <m:ctrlPr>
-                          <a:rPr lang="hr-HR" b="0" i="1" smtClean="0">
-                            <a:latin typeface="Cambria Math"/>
-                          </a:rPr>
-                        </m:ctrlPr>
-                      </m:sSubPr>
-                      <m:e>
-                        <m:r>
-                          <a:rPr lang="hr-HR" b="0" i="1" smtClean="0">
-                            <a:latin typeface="Cambria Math"/>
-                          </a:rPr>
-                          <m:t>𝐿</m:t>
-                        </m:r>
-                      </m:e>
-                      <m:sub>
-                        <m:r>
-                          <a:rPr lang="hr-HR" b="0" i="1" smtClean="0">
-                            <a:latin typeface="Cambria Math"/>
-                          </a:rPr>
-                          <m:t>𝑑</m:t>
-                        </m:r>
-                        <m:r>
-                          <a:rPr lang="hr-HR" b="0" i="1" smtClean="0">
-                            <a:latin typeface="Cambria Math"/>
-                          </a:rPr>
-                          <m:t>, </m:t>
-                        </m:r>
-                        <m:r>
-                          <a:rPr lang="hr-HR" b="0" i="1" smtClean="0">
-                            <a:latin typeface="Cambria Math"/>
-                          </a:rPr>
-                          <m:t>𝑒</m:t>
-                        </m:r>
-                      </m:sub>
-                    </m:sSub>
-                  </m:oMath>
-                </a14:m>
-                <a:r>
-                  <a:rPr lang="hr-HR" dirty="0" smtClean="0"/>
-                  <a:t> - redak do kojeg se može doći po dijagonali </a:t>
-                </a:r>
-                <a:r>
-                  <a:rPr lang="hr-HR" i="1" dirty="0" smtClean="0"/>
-                  <a:t>d</a:t>
-                </a:r>
-                <a:r>
-                  <a:rPr lang="hr-HR" dirty="0" smtClean="0"/>
-                  <a:t> uz maksimalno </a:t>
-                </a:r>
-                <a:r>
-                  <a:rPr lang="hr-HR" i="1" dirty="0" smtClean="0"/>
-                  <a:t>e</a:t>
-                </a:r>
-                <a:r>
-                  <a:rPr lang="hr-HR" dirty="0" smtClean="0"/>
-                  <a:t> razlika</a:t>
-                </a:r>
-              </a:p>
-              <a:p>
-                <a:pPr lvl="1"/>
-                <a:r>
-                  <a:rPr lang="hr-HR" dirty="0" smtClean="0">
-                    <a:solidFill>
-                      <a:schemeClr val="tx1"/>
-                    </a:solidFill>
-                  </a:rPr>
-                  <a:t>dodatna kompresija prostora</a:t>
-                </a:r>
-              </a:p>
-              <a:p>
-                <a:pPr lvl="1"/>
-                <a14:m>
-                  <m:oMath xmlns:m="http://schemas.openxmlformats.org/officeDocument/2006/math">
-                    <m:r>
-                      <a:rPr lang="hr-HR" b="0" i="1" smtClean="0">
-                        <a:solidFill>
-                          <a:schemeClr val="tx1"/>
-                        </a:solidFill>
-                        <a:latin typeface="Cambria Math"/>
-                      </a:rPr>
-                      <m:t>𝑑</m:t>
-                    </m:r>
-                    <m:r>
-                      <a:rPr lang="hr-HR" b="0" i="1" smtClean="0">
-                        <a:solidFill>
-                          <a:schemeClr val="tx1"/>
-                        </a:solidFill>
-                        <a:latin typeface="Cambria Math"/>
-                      </a:rPr>
-                      <m:t>∈</m:t>
-                    </m:r>
-                    <m:d>
-                      <m:dPr>
-                        <m:begChr m:val="{"/>
-                        <m:endChr m:val="}"/>
-                        <m:ctrlPr>
-                          <a:rPr lang="hr-HR" b="0" i="1" smtClean="0">
-                            <a:solidFill>
-                              <a:schemeClr val="tx1"/>
-                            </a:solidFill>
-                            <a:latin typeface="Cambria Math"/>
-                          </a:rPr>
-                        </m:ctrlPr>
-                      </m:dPr>
-                      <m:e>
-                        <m:r>
-                          <a:rPr lang="hr-HR" b="0" i="1" smtClean="0">
-                            <a:solidFill>
-                              <a:schemeClr val="tx1"/>
-                            </a:solidFill>
-                            <a:latin typeface="Cambria Math"/>
-                          </a:rPr>
-                          <m:t>−</m:t>
-                        </m:r>
-                        <m:r>
-                          <a:rPr lang="hr-HR" b="0" i="1" smtClean="0">
-                            <a:solidFill>
-                              <a:schemeClr val="tx1"/>
-                            </a:solidFill>
-                            <a:latin typeface="Cambria Math"/>
-                          </a:rPr>
-                          <m:t>𝑘</m:t>
-                        </m:r>
-                        <m:r>
-                          <a:rPr lang="hr-HR" b="0" i="1" smtClean="0">
-                            <a:solidFill>
-                              <a:schemeClr val="tx1"/>
-                            </a:solidFill>
-                            <a:latin typeface="Cambria Math"/>
-                          </a:rPr>
-                          <m:t>, −</m:t>
-                        </m:r>
-                        <m:r>
-                          <a:rPr lang="hr-HR" b="0" i="1" smtClean="0">
-                            <a:solidFill>
-                              <a:schemeClr val="tx1"/>
-                            </a:solidFill>
-                            <a:latin typeface="Cambria Math"/>
-                          </a:rPr>
-                          <m:t>𝑘</m:t>
-                        </m:r>
-                        <m:r>
-                          <a:rPr lang="hr-HR" b="0" i="1" smtClean="0">
-                            <a:solidFill>
-                              <a:schemeClr val="tx1"/>
-                            </a:solidFill>
-                            <a:latin typeface="Cambria Math"/>
-                          </a:rPr>
-                          <m:t>+1,…,0, …, </m:t>
-                        </m:r>
-                        <m:r>
-                          <a:rPr lang="hr-HR" b="0" i="1" smtClean="0">
-                            <a:solidFill>
-                              <a:schemeClr val="tx1"/>
-                            </a:solidFill>
-                            <a:latin typeface="Cambria Math"/>
-                          </a:rPr>
-                          <m:t>𝑘</m:t>
-                        </m:r>
-                        <m:r>
-                          <a:rPr lang="hr-HR" b="0" i="1" smtClean="0">
-                            <a:solidFill>
-                              <a:schemeClr val="tx1"/>
-                            </a:solidFill>
-                            <a:latin typeface="Cambria Math"/>
-                          </a:rPr>
-                          <m:t> −1, </m:t>
-                        </m:r>
-                        <m:r>
-                          <a:rPr lang="hr-HR" b="0" i="1" smtClean="0">
-                            <a:solidFill>
-                              <a:schemeClr val="tx1"/>
-                            </a:solidFill>
-                            <a:latin typeface="Cambria Math"/>
-                          </a:rPr>
-                          <m:t>𝑘</m:t>
-                        </m:r>
-                      </m:e>
-                    </m:d>
-                  </m:oMath>
-                </a14:m>
-                <a:endParaRPr lang="hr-HR" b="0" dirty="0" smtClean="0">
-                  <a:solidFill>
-                    <a:schemeClr val="tx1"/>
-                  </a:solidFill>
-                </a:endParaRPr>
-              </a:p>
-              <a:p>
-                <a:pPr lvl="1"/>
-                <a14:m>
-                  <m:oMath xmlns:m="http://schemas.openxmlformats.org/officeDocument/2006/math">
-                    <m:r>
-                      <a:rPr lang="hr-HR" b="0" i="1" smtClean="0">
-                        <a:solidFill>
-                          <a:schemeClr val="tx1"/>
-                        </a:solidFill>
-                        <a:latin typeface="Cambria Math"/>
-                      </a:rPr>
-                      <m:t>𝑒</m:t>
-                    </m:r>
-                    <m:r>
-                      <a:rPr lang="hr-HR" b="0" i="1" smtClean="0">
-                        <a:solidFill>
-                          <a:schemeClr val="tx1"/>
-                        </a:solidFill>
-                        <a:latin typeface="Cambria Math"/>
-                      </a:rPr>
-                      <m:t>∈{0, .., </m:t>
-                    </m:r>
-                    <m:r>
-                      <a:rPr lang="hr-HR" b="0" i="1" smtClean="0">
-                        <a:solidFill>
-                          <a:schemeClr val="tx1"/>
-                        </a:solidFill>
-                        <a:latin typeface="Cambria Math"/>
-                      </a:rPr>
-                      <m:t>𝑘</m:t>
-                    </m:r>
-                    <m:r>
-                      <a:rPr lang="hr-HR" b="0" i="1" smtClean="0">
-                        <a:solidFill>
-                          <a:schemeClr val="tx1"/>
-                        </a:solidFill>
-                        <a:latin typeface="Cambria Math"/>
-                      </a:rPr>
-                      <m:t>}</m:t>
-                    </m:r>
-                  </m:oMath>
-                </a14:m>
-                <a:endParaRPr lang="hr-HR" dirty="0" smtClean="0">
-                  <a:solidFill>
-                    <a:schemeClr val="tx1"/>
-                  </a:solidFill>
-                </a:endParaRPr>
-              </a:p>
-            </p:txBody>
-          </p:sp>
-        </mc:Choice>
-        <mc:Fallback>
-          <p:sp>
-            <p:nvSpPr>
-              <p:cNvPr id="3" name="Content Placeholder 2"/>
-              <p:cNvSpPr>
-                <a:spLocks noGrp="1" noRot="1" noChangeAspect="1" noMove="1" noResize="1" noEditPoints="1" noAdjustHandles="1" noChangeArrowheads="1" noChangeShapeType="1" noTextEdit="1"/>
-              </p:cNvSpPr>
-              <p:nvPr>
-                <p:ph idx="1"/>
-              </p:nvPr>
-            </p:nvSpPr>
-            <p:spPr>
-              <a:blipFill rotWithShape="1">
-                <a:blip r:embed="rId2"/>
-                <a:stretch>
-                  <a:fillRect t="-1408"/>
-                </a:stretch>
-              </a:blipFill>
-            </p:spPr>
-            <p:txBody>
-              <a:bodyPr/>
-              <a:lstStyle/>
-              <a:p>
-                <a:r>
-                  <a:rPr lang="hr-HR">
-                    <a:noFill/>
-                  </a:rPr>
-                  <a:t> </a:t>
-                </a:r>
-              </a:p>
-            </p:txBody>
-          </p:sp>
-        </mc:Fallback>
-      </mc:AlternateContent>
-    </p:spTree>
-    <p:extLst>
-      <p:ext uri="{BB962C8B-B14F-4D97-AF65-F5344CB8AC3E}">
-        <p14:creationId xmlns:p14="http://schemas.microsoft.com/office/powerpoint/2010/main" val="2541865036"/>
-      </p:ext>
-    </p:extLst>
-  </p:cSld>
-  <p:clrMapOvr>
-    <a:masterClrMapping/>
-  </p:clrMapOvr>
-  <p:timing>
-    <p:tnLst>
-      <p:par>
-        <p:cTn id="1" dur="indefinite" restart="never" nodeType="tmRoot"/>
-      </p:par>
-    </p:tnLst>
-  </p:timing>
-</p:sld>
-</file>
-
-<file path=ppt/slides/slide5.xml><?xml version="1.0" encoding="utf-8"?>
-<p:sld xmlns:a="http://schemas.openxmlformats.org/drawingml/2006/main" xmlns:r="http://schemas.openxmlformats.org/officeDocument/2006/relationships" xmlns:p="http://schemas.openxmlformats.org/presentationml/2006/main">
-  <p:cSld>
-    <p:spTree>
-      <p:nvGrpSpPr>
-        <p:cNvPr id="1" name=""/>
-        <p:cNvGrpSpPr/>
-        <p:nvPr/>
-      </p:nvGrpSpPr>
-      <p:grpSpPr>
-        <a:xfrm>
-          <a:off x="0" y="0"/>
-          <a:ext cx="0" cy="0"/>
-          <a:chOff x="0" y="0"/>
-          <a:chExt cx="0" cy="0"/>
-        </a:xfrm>
-      </p:grpSpPr>
-      <p:sp>
-        <p:nvSpPr>
-          <p:cNvPr id="2" name="Title 1"/>
-          <p:cNvSpPr>
-            <a:spLocks noGrp="1"/>
-          </p:cNvSpPr>
-          <p:nvPr>
-            <p:ph type="title"/>
-          </p:nvPr>
-        </p:nvSpPr>
-        <p:spPr/>
-        <p:txBody>
-          <a:bodyPr/>
-          <a:lstStyle/>
-          <a:p>
-            <a:pPr algn="ctr"/>
-            <a:r>
-              <a:rPr lang="hr-HR" dirty="0" smtClean="0"/>
-              <a:t>Ideja</a:t>
-            </a:r>
-            <a:endParaRPr lang="hr-HR" dirty="0"/>
-          </a:p>
-        </p:txBody>
-      </p:sp>
-      <p:sp>
-        <p:nvSpPr>
-          <p:cNvPr id="3" name="Content Placeholder 2"/>
-          <p:cNvSpPr>
-            <a:spLocks noGrp="1"/>
-          </p:cNvSpPr>
-          <p:nvPr>
-            <p:ph idx="1"/>
-          </p:nvPr>
-        </p:nvSpPr>
-        <p:spPr/>
-        <p:txBody>
-          <a:bodyPr/>
-          <a:lstStyle/>
-          <a:p>
-            <a:r>
-              <a:rPr lang="hr-HR" dirty="0"/>
-              <a:t>t</a:t>
-            </a:r>
-            <a:r>
-              <a:rPr lang="hr-HR" dirty="0" smtClean="0"/>
-              <a:t>rojke - (p, c, f)</a:t>
-            </a:r>
-          </a:p>
-          <a:p>
-            <a:pPr lvl="1"/>
-            <a:r>
-              <a:rPr lang="hr-HR" dirty="0" smtClean="0">
-                <a:solidFill>
-                  <a:schemeClr val="tx1"/>
-                </a:solidFill>
-              </a:rPr>
-              <a:t>p – indeks početka podniza u tekstu</a:t>
-            </a:r>
-          </a:p>
-          <a:p>
-            <a:pPr lvl="1"/>
-            <a:r>
-              <a:rPr lang="hr-HR" dirty="0" smtClean="0">
-                <a:solidFill>
-                  <a:schemeClr val="tx1"/>
-                </a:solidFill>
-              </a:rPr>
-              <a:t>c – indeks početka podniza u obrascu</a:t>
-            </a:r>
-          </a:p>
-          <a:p>
-            <a:pPr lvl="1"/>
-            <a:r>
-              <a:rPr lang="hr-HR" dirty="0" smtClean="0">
-                <a:solidFill>
-                  <a:schemeClr val="tx1"/>
-                </a:solidFill>
-              </a:rPr>
-              <a:t>f – duljina podudaranja</a:t>
-            </a:r>
-          </a:p>
-          <a:p>
-            <a:r>
-              <a:rPr lang="hr-HR" dirty="0"/>
-              <a:t>l</a:t>
-            </a:r>
-            <a:r>
-              <a:rPr lang="hr-HR" dirty="0" smtClean="0"/>
-              <a:t>ista trojki – sadrži informaciju o poklapanjima i razlikama između teksta i podniza</a:t>
-            </a:r>
-          </a:p>
-          <a:p>
-            <a:r>
-              <a:rPr lang="hr-HR" dirty="0"/>
-              <a:t>liste trojki koriste se s MAXLENGTH </a:t>
-            </a:r>
-            <a:r>
-              <a:rPr lang="hr-HR" dirty="0" smtClean="0"/>
-              <a:t>tablicom</a:t>
-            </a:r>
-          </a:p>
-          <a:p>
-            <a:r>
-              <a:rPr lang="hr-HR" dirty="0"/>
-              <a:t>n</a:t>
-            </a:r>
-            <a:r>
-              <a:rPr lang="hr-HR" dirty="0" smtClean="0"/>
-              <a:t>pr. </a:t>
-            </a:r>
-            <a:r>
-              <a:rPr lang="hr-HR" dirty="0"/>
-              <a:t>(20, 5, 10</a:t>
-            </a:r>
-            <a:r>
-              <a:rPr lang="hr-HR" dirty="0" smtClean="0"/>
-              <a:t>)</a:t>
-            </a:r>
-          </a:p>
-          <a:p>
-            <a:endParaRPr lang="hr-HR" dirty="0"/>
-          </a:p>
-          <a:p>
-            <a:endParaRPr lang="hr-HR" dirty="0" smtClean="0"/>
-          </a:p>
-        </p:txBody>
-      </p:sp>
-    </p:spTree>
-    <p:extLst>
-      <p:ext uri="{BB962C8B-B14F-4D97-AF65-F5344CB8AC3E}">
-        <p14:creationId xmlns:p14="http://schemas.microsoft.com/office/powerpoint/2010/main" val="282498947"/>
+        <p14:creationId xmlns:p14="http://schemas.microsoft.com/office/powerpoint/2010/main" val="4048957113"/>
       </p:ext>
     </p:extLst>
   </p:cSld>
@@ -7128,6 +7321,170 @@
           <a:bodyPr/>
           <a:lstStyle/>
           <a:p>
+            <a:pPr algn="ctr"/>
+            <a:r>
+              <a:rPr lang="hr-HR" dirty="0" smtClean="0"/>
+              <a:t>Ideja</a:t>
+            </a:r>
+            <a:endParaRPr lang="hr-HR" dirty="0"/>
+          </a:p>
+        </p:txBody>
+      </p:sp>
+      <p:sp>
+        <p:nvSpPr>
+          <p:cNvPr id="3" name="Content Placeholder 2"/>
+          <p:cNvSpPr>
+            <a:spLocks noGrp="1"/>
+          </p:cNvSpPr>
+          <p:nvPr>
+            <p:ph idx="1"/>
+          </p:nvPr>
+        </p:nvSpPr>
+        <p:spPr/>
+        <p:txBody>
+          <a:bodyPr/>
+          <a:lstStyle/>
+          <a:p>
+            <a:r>
+              <a:rPr lang="hr-HR" dirty="0"/>
+              <a:t>t</a:t>
+            </a:r>
+            <a:r>
+              <a:rPr lang="hr-HR" dirty="0" smtClean="0"/>
+              <a:t>rojke - (p, c, f)</a:t>
+            </a:r>
+          </a:p>
+          <a:p>
+            <a:pPr lvl="1"/>
+            <a:r>
+              <a:rPr lang="hr-HR" dirty="0" smtClean="0">
+                <a:solidFill>
+                  <a:schemeClr val="tx1"/>
+                </a:solidFill>
+              </a:rPr>
+              <a:t>p – indeks početka podniza u tekstu</a:t>
+            </a:r>
+          </a:p>
+          <a:p>
+            <a:pPr lvl="1"/>
+            <a:r>
+              <a:rPr lang="hr-HR" dirty="0" smtClean="0">
+                <a:solidFill>
+                  <a:schemeClr val="tx1"/>
+                </a:solidFill>
+              </a:rPr>
+              <a:t>c – indeks početka podniza u obrascu</a:t>
+            </a:r>
+          </a:p>
+          <a:p>
+            <a:pPr lvl="1"/>
+            <a:r>
+              <a:rPr lang="hr-HR" dirty="0" smtClean="0">
+                <a:solidFill>
+                  <a:schemeClr val="tx1"/>
+                </a:solidFill>
+              </a:rPr>
+              <a:t>f – duljina podudaranja</a:t>
+            </a:r>
+          </a:p>
+          <a:p>
+            <a:r>
+              <a:rPr lang="hr-HR" dirty="0"/>
+              <a:t>l</a:t>
+            </a:r>
+            <a:r>
+              <a:rPr lang="hr-HR" dirty="0" smtClean="0"/>
+              <a:t>ista trojki – sadrži informaciju o poklapanjima i razlikama između teksta i podniza</a:t>
+            </a:r>
+          </a:p>
+          <a:p>
+            <a:r>
+              <a:rPr lang="hr-HR" dirty="0"/>
+              <a:t>liste trojki koriste se s MAXLENGTH </a:t>
+            </a:r>
+            <a:r>
+              <a:rPr lang="hr-HR" dirty="0" smtClean="0"/>
+              <a:t>tablicom</a:t>
+            </a:r>
+          </a:p>
+          <a:p>
+            <a:r>
+              <a:rPr lang="hr-HR" dirty="0"/>
+              <a:t>n</a:t>
+            </a:r>
+            <a:r>
+              <a:rPr lang="hr-HR" dirty="0" smtClean="0"/>
+              <a:t>pr. </a:t>
+            </a:r>
+            <a:r>
+              <a:rPr lang="hr-HR" dirty="0"/>
+              <a:t>(20, 5, 10</a:t>
+            </a:r>
+            <a:r>
+              <a:rPr lang="hr-HR" dirty="0" smtClean="0"/>
+              <a:t>)</a:t>
+            </a:r>
+          </a:p>
+          <a:p>
+            <a:endParaRPr lang="hr-HR" dirty="0"/>
+          </a:p>
+          <a:p>
+            <a:endParaRPr lang="hr-HR" dirty="0" smtClean="0"/>
+          </a:p>
+        </p:txBody>
+      </p:sp>
+    </p:spTree>
+    <p:extLst>
+      <p:ext uri="{BB962C8B-B14F-4D97-AF65-F5344CB8AC3E}">
+        <p14:creationId xmlns:p14="http://schemas.microsoft.com/office/powerpoint/2010/main" val="282498947"/>
+      </p:ext>
+    </p:extLst>
+  </p:cSld>
+  <p:clrMapOvr>
+    <a:masterClrMapping/>
+  </p:clrMapOvr>
+  <p:timing>
+    <p:tnLst>
+      <p:par>
+        <p:cTn id="1" dur="indefinite" restart="never" nodeType="tmRoot"/>
+      </p:par>
+    </p:tnLst>
+  </p:timing>
+</p:sld>
+</file>
+
+<file path=ppt/slides/slide7.xml><?xml version="1.0" encoding="utf-8"?>
+<p:sld xmlns:a="http://schemas.openxmlformats.org/drawingml/2006/main" xmlns:r="http://schemas.openxmlformats.org/officeDocument/2006/relationships" xmlns:p="http://schemas.openxmlformats.org/presentationml/2006/main">
+  <p:cSld>
+    <p:spTree>
+      <p:nvGrpSpPr>
+        <p:cNvPr id="1" name=""/>
+        <p:cNvGrpSpPr/>
+        <p:nvPr/>
+      </p:nvGrpSpPr>
+      <p:grpSpPr>
+        <a:xfrm>
+          <a:off x="0" y="0"/>
+          <a:ext cx="0" cy="0"/>
+          <a:chOff x="0" y="0"/>
+          <a:chExt cx="0" cy="0"/>
+        </a:xfrm>
+      </p:grpSpPr>
+      <p:sp>
+        <p:nvSpPr>
+          <p:cNvPr id="2" name="Title 1"/>
+          <p:cNvSpPr>
+            <a:spLocks noGrp="1"/>
+          </p:cNvSpPr>
+          <p:nvPr>
+            <p:ph type="title"/>
+          </p:nvPr>
+        </p:nvSpPr>
+        <p:spPr/>
+        <p:txBody>
+          <a:bodyPr/>
+          <a:lstStyle/>
+          <a:p>
             <a:r>
               <a:rPr lang="hr-HR" dirty="0" smtClean="0"/>
               <a:t>Složenost algoritma</a:t>
@@ -7234,7 +7591,7 @@
 </p:sld>
 </file>
 
-<file path=ppt/slides/slide7.xml><?xml version="1.0" encoding="utf-8"?>
+<file path=ppt/slides/slide8.xml><?xml version="1.0" encoding="utf-8"?>
 <p:sld xmlns:a="http://schemas.openxmlformats.org/drawingml/2006/main" xmlns:r="http://schemas.openxmlformats.org/officeDocument/2006/relationships" xmlns:p="http://schemas.openxmlformats.org/presentationml/2006/main">
   <p:cSld>
     <p:spTree>
@@ -7340,7 +7697,7 @@
 </p:sld>
 </file>
 
-<file path=ppt/slides/slide8.xml><?xml version="1.0" encoding="utf-8"?>
+<file path=ppt/slides/slide9.xml><?xml version="1.0" encoding="utf-8"?>
 <p:sld xmlns:a="http://schemas.openxmlformats.org/drawingml/2006/main" xmlns:r="http://schemas.openxmlformats.org/officeDocument/2006/relationships" xmlns:p="http://schemas.openxmlformats.org/presentationml/2006/main">
   <p:cSld>
     <p:spTree>
@@ -7418,112 +7775,6 @@
           <a:xfrm>
             <a:off x="1524000" y="2057400"/>
             <a:ext cx="5954964" cy="4495800"/>
-          </a:xfrm>
-          <a:prstGeom prst="rect">
-            <a:avLst/>
-          </a:prstGeom>
-          <a:noFill/>
-          <a:ln w="9525">
-            <a:noFill/>
-            <a:miter lim="800000"/>
-            <a:headEnd/>
-            <a:tailEnd/>
-          </a:ln>
-        </p:spPr>
-      </p:pic>
-    </p:spTree>
-  </p:cSld>
-  <p:clrMapOvr>
-    <a:masterClrMapping/>
-  </p:clrMapOvr>
-  <p:timing>
-    <p:tnLst>
-      <p:par>
-        <p:cTn id="1" dur="indefinite" restart="never" nodeType="tmRoot"/>
-      </p:par>
-    </p:tnLst>
-  </p:timing>
-</p:sld>
-</file>
-
-<file path=ppt/slides/slide9.xml><?xml version="1.0" encoding="utf-8"?>
-<p:sld xmlns:a="http://schemas.openxmlformats.org/drawingml/2006/main" xmlns:r="http://schemas.openxmlformats.org/officeDocument/2006/relationships" xmlns:p="http://schemas.openxmlformats.org/presentationml/2006/main">
-  <p:cSld>
-    <p:spTree>
-      <p:nvGrpSpPr>
-        <p:cNvPr id="1" name=""/>
-        <p:cNvGrpSpPr/>
-        <p:nvPr/>
-      </p:nvGrpSpPr>
-      <p:grpSpPr>
-        <a:xfrm>
-          <a:off x="0" y="0"/>
-          <a:ext cx="0" cy="0"/>
-          <a:chOff x="0" y="0"/>
-          <a:chExt cx="0" cy="0"/>
-        </a:xfrm>
-      </p:grpSpPr>
-      <p:sp>
-        <p:nvSpPr>
-          <p:cNvPr id="2" name="Title 1"/>
-          <p:cNvSpPr>
-            <a:spLocks noGrp="1"/>
-          </p:cNvSpPr>
-          <p:nvPr>
-            <p:ph type="title"/>
-          </p:nvPr>
-        </p:nvSpPr>
-        <p:spPr/>
-        <p:txBody>
-          <a:bodyPr/>
-          <a:lstStyle/>
-          <a:p>
-            <a:r>
-              <a:rPr lang="hr-HR" dirty="0" smtClean="0"/>
-              <a:t>Rezultati, vremenska složenost(3)</a:t>
-            </a:r>
-            <a:endParaRPr lang="hr-HR" dirty="0"/>
-          </a:p>
-        </p:txBody>
-      </p:sp>
-      <p:sp>
-        <p:nvSpPr>
-          <p:cNvPr id="3" name="Content Placeholder 2"/>
-          <p:cNvSpPr>
-            <a:spLocks noGrp="1"/>
-          </p:cNvSpPr>
-          <p:nvPr>
-            <p:ph idx="1"/>
-          </p:nvPr>
-        </p:nvSpPr>
-        <p:spPr/>
-        <p:txBody>
-          <a:bodyPr/>
-          <a:lstStyle/>
-          <a:p>
-            <a:endParaRPr lang="hr-HR"/>
-          </a:p>
-        </p:txBody>
-      </p:sp>
-      <p:pic>
-        <p:nvPicPr>
-          <p:cNvPr id="5122" name="Picture 2" descr="KTime"/>
-          <p:cNvPicPr>
-            <a:picLocks noChangeAspect="1" noChangeArrowheads="1"/>
-          </p:cNvPicPr>
-          <p:nvPr/>
-        </p:nvPicPr>
-        <p:blipFill>
-          <a:blip r:embed="rId2"/>
-          <a:srcRect/>
-          <a:stretch>
-            <a:fillRect/>
-          </a:stretch>
-        </p:blipFill>
-        <p:spPr bwMode="auto">
-          <a:xfrm>
-            <a:off x="1524000" y="2057400"/>
-            <a:ext cx="5962650" cy="4495800"/>
           </a:xfrm>
           <a:prstGeom prst="rect">
             <a:avLst/>
